--- a/d2ai/img/logos.pptx
+++ b/d2ai/img/logos.pptx
@@ -8044,14 +8044,20 @@
           <a:lstStyle/>
           <a:p>
             <a:r>
-              <a:rPr lang="de-DE" sz="9000">
+              <a:rPr lang="de-DE" sz="9000" dirty="0" err="1">
+                <a:solidFill>
+                  <a:schemeClr val="bg1"/>
+                </a:solidFill>
                 <a:latin typeface="Arial" panose="020B0604020202020204" pitchFamily="34" charset="0"/>
                 <a:cs typeface="Arial" panose="020B0604020202020204" pitchFamily="34" charset="0"/>
               </a:rPr>
               <a:t>hessian.</a:t>
             </a:r>
             <a:r>
-              <a:rPr lang="de-DE" sz="9000" b="1">
+              <a:rPr lang="de-DE" sz="9000" b="1" dirty="0" err="1">
+                <a:solidFill>
+                  <a:schemeClr val="bg1"/>
+                </a:solidFill>
                 <a:latin typeface="Arial" panose="020B0604020202020204" pitchFamily="34" charset="0"/>
                 <a:cs typeface="Arial" panose="020B0604020202020204" pitchFamily="34" charset="0"/>
               </a:rPr>

--- a/d2ai/img/logos.pptx
+++ b/d2ai/img/logos.pptx
@@ -5,7 +5,7 @@
     <p:sldMasterId id="2147483648" r:id="rId1"/>
   </p:sldMasterIdLst>
   <p:notesMasterIdLst>
-    <p:notesMasterId r:id="rId27"/>
+    <p:notesMasterId r:id="rId28"/>
   </p:notesMasterIdLst>
   <p:sldIdLst>
     <p:sldId id="256" r:id="rId2"/>
@@ -31,8 +31,9 @@
     <p:sldId id="264" r:id="rId22"/>
     <p:sldId id="261" r:id="rId23"/>
     <p:sldId id="281" r:id="rId24"/>
-    <p:sldId id="280" r:id="rId25"/>
-    <p:sldId id="282" r:id="rId26"/>
+    <p:sldId id="283" r:id="rId25"/>
+    <p:sldId id="280" r:id="rId26"/>
+    <p:sldId id="282" r:id="rId27"/>
   </p:sldIdLst>
   <p:sldSz cx="12192000" cy="6858000"/>
   <p:notesSz cx="6858000" cy="9144000"/>
@@ -221,7 +222,7 @@
           <a:p>
             <a:fld id="{A5AA3D5C-BD07-EC45-9FAC-36D3BDD603A6}" type="datetimeFigureOut">
               <a:rPr lang="de-DE" smtClean="0"/>
-              <a:t>13.09.20</a:t>
+              <a:t>14.09.20</a:t>
             </a:fld>
             <a:endParaRPr lang="de-DE"/>
           </a:p>
@@ -722,7 +723,7 @@
           <a:p>
             <a:fld id="{A451E19B-2221-FD49-935D-CC2A1B6AD88E}" type="datetimeFigureOut">
               <a:rPr lang="de-DE" smtClean="0"/>
-              <a:t>13.09.20</a:t>
+              <a:t>14.09.20</a:t>
             </a:fld>
             <a:endParaRPr lang="de-DE"/>
           </a:p>
@@ -922,7 +923,7 @@
           <a:p>
             <a:fld id="{A451E19B-2221-FD49-935D-CC2A1B6AD88E}" type="datetimeFigureOut">
               <a:rPr lang="de-DE" smtClean="0"/>
-              <a:t>13.09.20</a:t>
+              <a:t>14.09.20</a:t>
             </a:fld>
             <a:endParaRPr lang="de-DE"/>
           </a:p>
@@ -1132,7 +1133,7 @@
           <a:p>
             <a:fld id="{A451E19B-2221-FD49-935D-CC2A1B6AD88E}" type="datetimeFigureOut">
               <a:rPr lang="de-DE" smtClean="0"/>
-              <a:t>13.09.20</a:t>
+              <a:t>14.09.20</a:t>
             </a:fld>
             <a:endParaRPr lang="de-DE"/>
           </a:p>
@@ -1332,7 +1333,7 @@
           <a:p>
             <a:fld id="{A451E19B-2221-FD49-935D-CC2A1B6AD88E}" type="datetimeFigureOut">
               <a:rPr lang="de-DE" smtClean="0"/>
-              <a:t>13.09.20</a:t>
+              <a:t>14.09.20</a:t>
             </a:fld>
             <a:endParaRPr lang="de-DE"/>
           </a:p>
@@ -1608,7 +1609,7 @@
           <a:p>
             <a:fld id="{A451E19B-2221-FD49-935D-CC2A1B6AD88E}" type="datetimeFigureOut">
               <a:rPr lang="de-DE" smtClean="0"/>
-              <a:t>13.09.20</a:t>
+              <a:t>14.09.20</a:t>
             </a:fld>
             <a:endParaRPr lang="de-DE"/>
           </a:p>
@@ -1876,7 +1877,7 @@
           <a:p>
             <a:fld id="{A451E19B-2221-FD49-935D-CC2A1B6AD88E}" type="datetimeFigureOut">
               <a:rPr lang="de-DE" smtClean="0"/>
-              <a:t>13.09.20</a:t>
+              <a:t>14.09.20</a:t>
             </a:fld>
             <a:endParaRPr lang="de-DE"/>
           </a:p>
@@ -2291,7 +2292,7 @@
           <a:p>
             <a:fld id="{A451E19B-2221-FD49-935D-CC2A1B6AD88E}" type="datetimeFigureOut">
               <a:rPr lang="de-DE" smtClean="0"/>
-              <a:t>13.09.20</a:t>
+              <a:t>14.09.20</a:t>
             </a:fld>
             <a:endParaRPr lang="de-DE"/>
           </a:p>
@@ -2433,7 +2434,7 @@
           <a:p>
             <a:fld id="{A451E19B-2221-FD49-935D-CC2A1B6AD88E}" type="datetimeFigureOut">
               <a:rPr lang="de-DE" smtClean="0"/>
-              <a:t>13.09.20</a:t>
+              <a:t>14.09.20</a:t>
             </a:fld>
             <a:endParaRPr lang="de-DE"/>
           </a:p>
@@ -2546,7 +2547,7 @@
           <a:p>
             <a:fld id="{A451E19B-2221-FD49-935D-CC2A1B6AD88E}" type="datetimeFigureOut">
               <a:rPr lang="de-DE" smtClean="0"/>
-              <a:t>13.09.20</a:t>
+              <a:t>14.09.20</a:t>
             </a:fld>
             <a:endParaRPr lang="de-DE"/>
           </a:p>
@@ -2859,7 +2860,7 @@
           <a:p>
             <a:fld id="{A451E19B-2221-FD49-935D-CC2A1B6AD88E}" type="datetimeFigureOut">
               <a:rPr lang="de-DE" smtClean="0"/>
-              <a:t>13.09.20</a:t>
+              <a:t>14.09.20</a:t>
             </a:fld>
             <a:endParaRPr lang="de-DE"/>
           </a:p>
@@ -3148,7 +3149,7 @@
           <a:p>
             <a:fld id="{A451E19B-2221-FD49-935D-CC2A1B6AD88E}" type="datetimeFigureOut">
               <a:rPr lang="de-DE" smtClean="0"/>
-              <a:t>13.09.20</a:t>
+              <a:t>14.09.20</a:t>
             </a:fld>
             <a:endParaRPr lang="de-DE"/>
           </a:p>
@@ -3391,7 +3392,7 @@
           <a:p>
             <a:fld id="{A451E19B-2221-FD49-935D-CC2A1B6AD88E}" type="datetimeFigureOut">
               <a:rPr lang="de-DE" smtClean="0"/>
-              <a:t>13.09.20</a:t>
+              <a:t>14.09.20</a:t>
             </a:fld>
             <a:endParaRPr lang="de-DE"/>
           </a:p>
@@ -8508,6 +8509,174 @@
           <a:chExt cx="0" cy="0"/>
         </a:xfrm>
       </p:grpSpPr>
+      <p:grpSp>
+        <p:nvGrpSpPr>
+          <p:cNvPr id="9" name="Group 8">
+            <a:extLst>
+              <a:ext uri="{FF2B5EF4-FFF2-40B4-BE49-F238E27FC236}">
+                <a16:creationId xmlns:a16="http://schemas.microsoft.com/office/drawing/2014/main" id="{FD2199C6-6C07-334F-9549-FB46AA5573AC}"/>
+              </a:ext>
+            </a:extLst>
+          </p:cNvPr>
+          <p:cNvGrpSpPr/>
+          <p:nvPr/>
+        </p:nvGrpSpPr>
+        <p:grpSpPr>
+          <a:xfrm>
+            <a:off x="94675" y="958108"/>
+            <a:ext cx="11836400" cy="5511800"/>
+            <a:chOff x="177803" y="673100"/>
+            <a:chExt cx="11836400" cy="5511800"/>
+          </a:xfrm>
+        </p:grpSpPr>
+        <p:pic>
+          <p:nvPicPr>
+            <p:cNvPr id="3" name="Picture 2">
+              <a:extLst>
+                <a:ext uri="{FF2B5EF4-FFF2-40B4-BE49-F238E27FC236}">
+                  <a16:creationId xmlns:a16="http://schemas.microsoft.com/office/drawing/2014/main" id="{0DA577C1-00DB-BF41-8073-0832C2A78C50}"/>
+                </a:ext>
+              </a:extLst>
+            </p:cNvPr>
+            <p:cNvPicPr>
+              <a:picLocks noChangeAspect="1"/>
+            </p:cNvPicPr>
+            <p:nvPr/>
+          </p:nvPicPr>
+          <p:blipFill>
+            <a:blip r:embed="rId2"/>
+            <a:stretch>
+              <a:fillRect/>
+            </a:stretch>
+          </p:blipFill>
+          <p:spPr>
+            <a:xfrm>
+              <a:off x="177803" y="673100"/>
+              <a:ext cx="11836400" cy="5511800"/>
+            </a:xfrm>
+            <a:prstGeom prst="rect">
+              <a:avLst/>
+            </a:prstGeom>
+          </p:spPr>
+        </p:pic>
+        <p:pic>
+          <p:nvPicPr>
+            <p:cNvPr id="6" name="Picture 5">
+              <a:extLst>
+                <a:ext uri="{FF2B5EF4-FFF2-40B4-BE49-F238E27FC236}">
+                  <a16:creationId xmlns:a16="http://schemas.microsoft.com/office/drawing/2014/main" id="{01B0594F-9621-9E46-9518-CCC93FD80B47}"/>
+                </a:ext>
+              </a:extLst>
+            </p:cNvPr>
+            <p:cNvPicPr>
+              <a:picLocks noChangeAspect="1"/>
+            </p:cNvPicPr>
+            <p:nvPr/>
+          </p:nvPicPr>
+          <p:blipFill rotWithShape="1">
+            <a:blip r:embed="rId2"/>
+            <a:srcRect l="15370" t="71636" r="83727" b="5095"/>
+            <a:stretch/>
+          </p:blipFill>
+          <p:spPr>
+            <a:xfrm>
+              <a:off x="1615044" y="4607626"/>
+              <a:ext cx="451263" cy="1282536"/>
+            </a:xfrm>
+            <a:prstGeom prst="rect">
+              <a:avLst/>
+            </a:prstGeom>
+          </p:spPr>
+        </p:pic>
+        <p:pic>
+          <p:nvPicPr>
+            <p:cNvPr id="7" name="Picture 6">
+              <a:extLst>
+                <a:ext uri="{FF2B5EF4-FFF2-40B4-BE49-F238E27FC236}">
+                  <a16:creationId xmlns:a16="http://schemas.microsoft.com/office/drawing/2014/main" id="{E41E0115-1640-614E-AD0D-53B99A142F70}"/>
+                </a:ext>
+              </a:extLst>
+            </p:cNvPr>
+            <p:cNvPicPr>
+              <a:picLocks noChangeAspect="1"/>
+            </p:cNvPicPr>
+            <p:nvPr/>
+          </p:nvPicPr>
+          <p:blipFill rotWithShape="1">
+            <a:blip r:embed="rId2"/>
+            <a:srcRect l="14667" t="50952" r="84029" b="29873"/>
+            <a:stretch/>
+          </p:blipFill>
+          <p:spPr>
+            <a:xfrm>
+              <a:off x="2066307" y="3633849"/>
+              <a:ext cx="154379" cy="1056904"/>
+            </a:xfrm>
+            <a:prstGeom prst="rect">
+              <a:avLst/>
+            </a:prstGeom>
+          </p:spPr>
+        </p:pic>
+        <p:pic>
+          <p:nvPicPr>
+            <p:cNvPr id="8" name="Picture 7">
+              <a:extLst>
+                <a:ext uri="{FF2B5EF4-FFF2-40B4-BE49-F238E27FC236}">
+                  <a16:creationId xmlns:a16="http://schemas.microsoft.com/office/drawing/2014/main" id="{29694DC5-3FFB-4E45-9731-31D2BBBF8546}"/>
+                </a:ext>
+              </a:extLst>
+            </p:cNvPr>
+            <p:cNvPicPr>
+              <a:picLocks noChangeAspect="1"/>
+            </p:cNvPicPr>
+            <p:nvPr/>
+          </p:nvPicPr>
+          <p:blipFill rotWithShape="1">
+            <a:blip r:embed="rId2"/>
+            <a:srcRect l="14667" t="50952" r="84029" b="29873"/>
+            <a:stretch/>
+          </p:blipFill>
+          <p:spPr>
+            <a:xfrm>
+              <a:off x="1460665" y="3592286"/>
+              <a:ext cx="439387" cy="1056904"/>
+            </a:xfrm>
+            <a:prstGeom prst="rect">
+              <a:avLst/>
+            </a:prstGeom>
+          </p:spPr>
+        </p:pic>
+      </p:grpSp>
+    </p:spTree>
+    <p:extLst>
+      <p:ext uri="{BB962C8B-B14F-4D97-AF65-F5344CB8AC3E}">
+        <p14:creationId xmlns:p14="http://schemas.microsoft.com/office/powerpoint/2010/main" val="3151953805"/>
+      </p:ext>
+    </p:extLst>
+  </p:cSld>
+  <p:clrMapOvr>
+    <a:masterClrMapping/>
+  </p:clrMapOvr>
+</p:sld>
+</file>
+
+<file path=ppt/slides/slide25.xml><?xml version="1.0" encoding="utf-8"?>
+<p:sld xmlns:a="http://schemas.openxmlformats.org/drawingml/2006/main" xmlns:r="http://schemas.openxmlformats.org/officeDocument/2006/relationships" xmlns:p="http://schemas.openxmlformats.org/presentationml/2006/main">
+  <p:cSld>
+    <p:spTree>
+      <p:nvGrpSpPr>
+        <p:cNvPr id="1" name=""/>
+        <p:cNvGrpSpPr/>
+        <p:nvPr/>
+      </p:nvGrpSpPr>
+      <p:grpSpPr>
+        <a:xfrm>
+          <a:off x="0" y="0"/>
+          <a:ext cx="0" cy="0"/>
+          <a:chOff x="0" y="0"/>
+          <a:chExt cx="0" cy="0"/>
+        </a:xfrm>
+      </p:grpSpPr>
       <p:sp>
         <p:nvSpPr>
           <p:cNvPr id="16" name="Rectangle 15">
@@ -9536,7 +9705,7 @@
 </p:sld>
 </file>
 
-<file path=ppt/slides/slide25.xml><?xml version="1.0" encoding="utf-8"?>
+<file path=ppt/slides/slide26.xml><?xml version="1.0" encoding="utf-8"?>
 <p:sld xmlns:a="http://schemas.openxmlformats.org/drawingml/2006/main" xmlns:r="http://schemas.openxmlformats.org/officeDocument/2006/relationships" xmlns:p="http://schemas.openxmlformats.org/presentationml/2006/main">
   <p:cSld>
     <p:spTree>

--- a/d2ai/img/logos.pptx
+++ b/d2ai/img/logos.pptx
@@ -5,35 +5,36 @@
     <p:sldMasterId id="2147483648" r:id="rId1"/>
   </p:sldMasterIdLst>
   <p:notesMasterIdLst>
-    <p:notesMasterId r:id="rId28"/>
+    <p:notesMasterId r:id="rId29"/>
   </p:notesMasterIdLst>
   <p:sldIdLst>
-    <p:sldId id="256" r:id="rId2"/>
-    <p:sldId id="257" r:id="rId3"/>
-    <p:sldId id="258" r:id="rId4"/>
-    <p:sldId id="279" r:id="rId5"/>
-    <p:sldId id="267" r:id="rId6"/>
-    <p:sldId id="270" r:id="rId7"/>
-    <p:sldId id="276" r:id="rId8"/>
-    <p:sldId id="277" r:id="rId9"/>
-    <p:sldId id="278" r:id="rId10"/>
-    <p:sldId id="275" r:id="rId11"/>
-    <p:sldId id="274" r:id="rId12"/>
-    <p:sldId id="272" r:id="rId13"/>
-    <p:sldId id="273" r:id="rId14"/>
-    <p:sldId id="271" r:id="rId15"/>
-    <p:sldId id="268" r:id="rId16"/>
-    <p:sldId id="269" r:id="rId17"/>
-    <p:sldId id="260" r:id="rId18"/>
-    <p:sldId id="262" r:id="rId19"/>
-    <p:sldId id="259" r:id="rId20"/>
-    <p:sldId id="263" r:id="rId21"/>
-    <p:sldId id="264" r:id="rId22"/>
-    <p:sldId id="261" r:id="rId23"/>
-    <p:sldId id="281" r:id="rId24"/>
-    <p:sldId id="283" r:id="rId25"/>
-    <p:sldId id="280" r:id="rId26"/>
-    <p:sldId id="282" r:id="rId27"/>
+    <p:sldId id="284" r:id="rId2"/>
+    <p:sldId id="256" r:id="rId3"/>
+    <p:sldId id="257" r:id="rId4"/>
+    <p:sldId id="258" r:id="rId5"/>
+    <p:sldId id="279" r:id="rId6"/>
+    <p:sldId id="267" r:id="rId7"/>
+    <p:sldId id="270" r:id="rId8"/>
+    <p:sldId id="276" r:id="rId9"/>
+    <p:sldId id="277" r:id="rId10"/>
+    <p:sldId id="278" r:id="rId11"/>
+    <p:sldId id="275" r:id="rId12"/>
+    <p:sldId id="274" r:id="rId13"/>
+    <p:sldId id="272" r:id="rId14"/>
+    <p:sldId id="273" r:id="rId15"/>
+    <p:sldId id="271" r:id="rId16"/>
+    <p:sldId id="268" r:id="rId17"/>
+    <p:sldId id="269" r:id="rId18"/>
+    <p:sldId id="260" r:id="rId19"/>
+    <p:sldId id="262" r:id="rId20"/>
+    <p:sldId id="259" r:id="rId21"/>
+    <p:sldId id="263" r:id="rId22"/>
+    <p:sldId id="264" r:id="rId23"/>
+    <p:sldId id="261" r:id="rId24"/>
+    <p:sldId id="281" r:id="rId25"/>
+    <p:sldId id="283" r:id="rId26"/>
+    <p:sldId id="280" r:id="rId27"/>
+    <p:sldId id="282" r:id="rId28"/>
   </p:sldIdLst>
   <p:sldSz cx="12192000" cy="6858000"/>
   <p:notesSz cx="6858000" cy="9144000"/>
@@ -555,7 +556,7 @@
           <a:p>
             <a:fld id="{1D8A290E-5821-C74F-A5CD-A6EAD4A16158}" type="slidenum">
               <a:rPr lang="de-DE" smtClean="0"/>
-              <a:t>23</a:t>
+              <a:t>24</a:t>
             </a:fld>
             <a:endParaRPr lang="de-DE"/>
           </a:p>
@@ -3809,146 +3810,118 @@
           <a:chExt cx="0" cy="0"/>
         </a:xfrm>
       </p:grpSpPr>
-      <p:sp>
-        <p:nvSpPr>
-          <p:cNvPr id="4" name="Rectangle 3">
-            <a:extLst>
-              <a:ext uri="{FF2B5EF4-FFF2-40B4-BE49-F238E27FC236}">
-                <a16:creationId xmlns:a16="http://schemas.microsoft.com/office/drawing/2014/main" id="{30ECF65E-5633-EB4A-8A9B-BBF47C9EB1A8}"/>
-              </a:ext>
-            </a:extLst>
-          </p:cNvPr>
-          <p:cNvSpPr/>
+      <p:grpSp>
+        <p:nvGrpSpPr>
+          <p:cNvPr id="8" name="Group 7">
+            <a:extLst>
+              <a:ext uri="{FF2B5EF4-FFF2-40B4-BE49-F238E27FC236}">
+                <a16:creationId xmlns:a16="http://schemas.microsoft.com/office/drawing/2014/main" id="{1A4166EC-A8DD-4B45-A241-62D9C1FBEF00}"/>
+              </a:ext>
+            </a:extLst>
+          </p:cNvPr>
+          <p:cNvGrpSpPr/>
           <p:nvPr/>
-        </p:nvSpPr>
-        <p:spPr>
-          <a:xfrm>
-            <a:off x="0" y="0"/>
-            <a:ext cx="12192000" cy="6858000"/>
-          </a:xfrm>
-          <a:prstGeom prst="rect">
-            <a:avLst/>
-          </a:prstGeom>
-          <a:gradFill flip="none" rotWithShape="1">
-            <a:gsLst>
-              <a:gs pos="10000">
-                <a:schemeClr val="bg1"/>
-              </a:gs>
-              <a:gs pos="100000">
-                <a:schemeClr val="tx1"/>
-              </a:gs>
-            </a:gsLst>
-            <a:path path="circle">
-              <a:fillToRect l="50000" t="50000" r="50000" b="50000"/>
-            </a:path>
-            <a:tileRect/>
-          </a:gradFill>
-          <a:ln>
-            <a:noFill/>
-          </a:ln>
-        </p:spPr>
-        <p:style>
-          <a:lnRef idx="2">
-            <a:schemeClr val="accent1">
-              <a:shade val="50000"/>
-            </a:schemeClr>
-          </a:lnRef>
-          <a:fillRef idx="1">
-            <a:schemeClr val="accent1"/>
-          </a:fillRef>
-          <a:effectRef idx="0">
-            <a:schemeClr val="accent1"/>
-          </a:effectRef>
-          <a:fontRef idx="minor">
-            <a:schemeClr val="lt1"/>
-          </a:fontRef>
-        </p:style>
-        <p:txBody>
-          <a:bodyPr rtlCol="0" anchor="ctr"/>
-          <a:lstStyle/>
-          <a:p>
-            <a:pPr algn="ctr"/>
-            <a:endParaRPr lang="de-DE"/>
-          </a:p>
-        </p:txBody>
-      </p:sp>
-      <p:sp>
-        <p:nvSpPr>
-          <p:cNvPr id="2" name="Title 1">
-            <a:extLst>
-              <a:ext uri="{FF2B5EF4-FFF2-40B4-BE49-F238E27FC236}">
-                <a16:creationId xmlns:a16="http://schemas.microsoft.com/office/drawing/2014/main" id="{09581E55-CB4D-604B-B505-DDA083C95510}"/>
-              </a:ext>
-            </a:extLst>
-          </p:cNvPr>
-          <p:cNvSpPr>
-            <a:spLocks noGrp="1"/>
-          </p:cNvSpPr>
-          <p:nvPr>
-            <p:ph type="ctrTitle"/>
-          </p:nvPr>
-        </p:nvSpPr>
-        <p:spPr>
-          <a:xfrm>
-            <a:off x="1524000" y="1465263"/>
-            <a:ext cx="9144000" cy="2387600"/>
-          </a:xfrm>
-        </p:spPr>
-        <p:txBody>
-          <a:bodyPr>
-            <a:normAutofit/>
-          </a:bodyPr>
-          <a:lstStyle/>
-          <a:p>
-            <a:r>
-              <a:rPr lang="de-DE" sz="8800" b="1" dirty="0" err="1">
-                <a:ln w="50800">
-                  <a:solidFill>
-                    <a:schemeClr val="tx1"/>
-                  </a:solidFill>
-                </a:ln>
-                <a:solidFill>
-                  <a:schemeClr val="bg1"/>
-                </a:solidFill>
-                <a:latin typeface="Arial" panose="020B0604020202020204" pitchFamily="34" charset="0"/>
-                <a:cs typeface="Arial" panose="020B0604020202020204" pitchFamily="34" charset="0"/>
-              </a:rPr>
-              <a:t>Hessian</a:t>
-            </a:r>
-            <a:r>
-              <a:rPr lang="de-DE" sz="8800" b="1" u="sng" dirty="0" err="1">
-                <a:ln w="50800">
-                  <a:solidFill>
-                    <a:schemeClr val="tx1"/>
-                  </a:solidFill>
-                </a:ln>
-                <a:solidFill>
-                  <a:schemeClr val="bg1"/>
-                </a:solidFill>
-                <a:latin typeface="Arial" panose="020B0604020202020204" pitchFamily="34" charset="0"/>
-                <a:cs typeface="Arial" panose="020B0604020202020204" pitchFamily="34" charset="0"/>
-              </a:rPr>
-              <a:t>AI</a:t>
-            </a:r>
-            <a:endParaRPr lang="de-DE" sz="8800" b="1" u="sng" dirty="0">
-              <a:ln w="50800">
-                <a:solidFill>
-                  <a:schemeClr val="tx1"/>
-                </a:solidFill>
-              </a:ln>
-              <a:solidFill>
-                <a:schemeClr val="bg1"/>
-              </a:solidFill>
-              <a:latin typeface="Arial" panose="020B0604020202020204" pitchFamily="34" charset="0"/>
-              <a:cs typeface="Arial" panose="020B0604020202020204" pitchFamily="34" charset="0"/>
-            </a:endParaRPr>
-          </a:p>
-        </p:txBody>
-      </p:sp>
+        </p:nvGrpSpPr>
+        <p:grpSpPr>
+          <a:xfrm>
+            <a:off x="1080655" y="1143000"/>
+            <a:ext cx="6680942" cy="2755323"/>
+            <a:chOff x="1080655" y="1143000"/>
+            <a:chExt cx="6680942" cy="2755323"/>
+          </a:xfrm>
+        </p:grpSpPr>
+        <p:pic>
+          <p:nvPicPr>
+            <p:cNvPr id="3" name="Picture 2">
+              <a:extLst>
+                <a:ext uri="{FF2B5EF4-FFF2-40B4-BE49-F238E27FC236}">
+                  <a16:creationId xmlns:a16="http://schemas.microsoft.com/office/drawing/2014/main" id="{01AA1FC4-79A8-0E4F-A42C-8BC79193DD4C}"/>
+                </a:ext>
+              </a:extLst>
+            </p:cNvPr>
+            <p:cNvPicPr>
+              <a:picLocks noChangeAspect="1"/>
+            </p:cNvPicPr>
+            <p:nvPr/>
+          </p:nvPicPr>
+          <p:blipFill rotWithShape="1">
+            <a:blip r:embed="rId2"/>
+            <a:srcRect l="31442" r="28576" b="18744"/>
+            <a:stretch/>
+          </p:blipFill>
+          <p:spPr>
+            <a:xfrm>
+              <a:off x="1080655" y="1143000"/>
+              <a:ext cx="2208810" cy="2755323"/>
+            </a:xfrm>
+            <a:prstGeom prst="rect">
+              <a:avLst/>
+            </a:prstGeom>
+          </p:spPr>
+        </p:pic>
+        <p:pic>
+          <p:nvPicPr>
+            <p:cNvPr id="5" name="Picture 4">
+              <a:extLst>
+                <a:ext uri="{FF2B5EF4-FFF2-40B4-BE49-F238E27FC236}">
+                  <a16:creationId xmlns:a16="http://schemas.microsoft.com/office/drawing/2014/main" id="{42459FD2-36C0-8448-A680-CAFE65487D0F}"/>
+                </a:ext>
+              </a:extLst>
+            </p:cNvPr>
+            <p:cNvPicPr>
+              <a:picLocks noChangeAspect="1"/>
+            </p:cNvPicPr>
+            <p:nvPr/>
+          </p:nvPicPr>
+          <p:blipFill rotWithShape="1">
+            <a:blip r:embed="rId3"/>
+            <a:srcRect r="58377"/>
+            <a:stretch/>
+          </p:blipFill>
+          <p:spPr>
+            <a:xfrm>
+              <a:off x="3289465" y="1143000"/>
+              <a:ext cx="2038859" cy="2755323"/>
+            </a:xfrm>
+            <a:prstGeom prst="rect">
+              <a:avLst/>
+            </a:prstGeom>
+          </p:spPr>
+        </p:pic>
+        <p:pic>
+          <p:nvPicPr>
+            <p:cNvPr id="7" name="Picture 6">
+              <a:extLst>
+                <a:ext uri="{FF2B5EF4-FFF2-40B4-BE49-F238E27FC236}">
+                  <a16:creationId xmlns:a16="http://schemas.microsoft.com/office/drawing/2014/main" id="{BCC4FC61-736E-8A45-8FD4-983D97B5F9A5}"/>
+                </a:ext>
+              </a:extLst>
+            </p:cNvPr>
+            <p:cNvPicPr>
+              <a:picLocks noChangeAspect="1"/>
+            </p:cNvPicPr>
+            <p:nvPr/>
+          </p:nvPicPr>
+          <p:blipFill rotWithShape="1">
+            <a:blip r:embed="rId4"/>
+            <a:srcRect l="9335" r="40990"/>
+            <a:stretch/>
+          </p:blipFill>
+          <p:spPr>
+            <a:xfrm>
+              <a:off x="5328324" y="1143000"/>
+              <a:ext cx="2433273" cy="2755323"/>
+            </a:xfrm>
+            <a:prstGeom prst="rect">
+              <a:avLst/>
+            </a:prstGeom>
+          </p:spPr>
+        </p:pic>
+      </p:grpSp>
     </p:spTree>
     <p:extLst>
       <p:ext uri="{BB962C8B-B14F-4D97-AF65-F5344CB8AC3E}">
-        <p14:creationId xmlns:p14="http://schemas.microsoft.com/office/powerpoint/2010/main" val="1219248690"/>
+        <p14:creationId xmlns:p14="http://schemas.microsoft.com/office/powerpoint/2010/main" val="1732235942"/>
       </p:ext>
     </p:extLst>
   </p:cSld>
@@ -3977,6 +3950,245 @@
       </p:grpSpPr>
       <p:sp>
         <p:nvSpPr>
+          <p:cNvPr id="4" name="Rectangle 3">
+            <a:extLst>
+              <a:ext uri="{FF2B5EF4-FFF2-40B4-BE49-F238E27FC236}">
+                <a16:creationId xmlns:a16="http://schemas.microsoft.com/office/drawing/2014/main" id="{0DA2E764-840D-F74B-AB65-AB54195FFEC8}"/>
+              </a:ext>
+            </a:extLst>
+          </p:cNvPr>
+          <p:cNvSpPr/>
+          <p:nvPr/>
+        </p:nvSpPr>
+        <p:spPr>
+          <a:xfrm>
+            <a:off x="1649186" y="2409049"/>
+            <a:ext cx="7854043" cy="1636560"/>
+          </a:xfrm>
+          <a:prstGeom prst="rect">
+            <a:avLst/>
+          </a:prstGeom>
+          <a:solidFill>
+            <a:schemeClr val="bg1"/>
+          </a:solidFill>
+          <a:ln>
+            <a:noFill/>
+          </a:ln>
+        </p:spPr>
+        <p:style>
+          <a:lnRef idx="2">
+            <a:schemeClr val="accent1">
+              <a:shade val="50000"/>
+            </a:schemeClr>
+          </a:lnRef>
+          <a:fillRef idx="1">
+            <a:schemeClr val="accent1"/>
+          </a:fillRef>
+          <a:effectRef idx="0">
+            <a:schemeClr val="accent1"/>
+          </a:effectRef>
+          <a:fontRef idx="minor">
+            <a:schemeClr val="lt1"/>
+          </a:fontRef>
+        </p:style>
+        <p:txBody>
+          <a:bodyPr rtlCol="0" anchor="ctr"/>
+          <a:lstStyle/>
+          <a:p>
+            <a:pPr algn="ctr"/>
+            <a:endParaRPr lang="de-DE"/>
+          </a:p>
+        </p:txBody>
+      </p:sp>
+      <p:sp>
+        <p:nvSpPr>
+          <p:cNvPr id="5" name="Rectangle 4">
+            <a:extLst>
+              <a:ext uri="{FF2B5EF4-FFF2-40B4-BE49-F238E27FC236}">
+                <a16:creationId xmlns:a16="http://schemas.microsoft.com/office/drawing/2014/main" id="{5F54E40D-7B95-6C47-BFCA-AF17E60320B4}"/>
+              </a:ext>
+            </a:extLst>
+          </p:cNvPr>
+          <p:cNvSpPr/>
+          <p:nvPr/>
+        </p:nvSpPr>
+        <p:spPr>
+          <a:xfrm>
+            <a:off x="7429500" y="1551213"/>
+            <a:ext cx="2073729" cy="2077865"/>
+          </a:xfrm>
+          <a:prstGeom prst="rect">
+            <a:avLst/>
+          </a:prstGeom>
+          <a:solidFill>
+            <a:schemeClr val="tx1"/>
+          </a:solidFill>
+          <a:ln>
+            <a:noFill/>
+          </a:ln>
+        </p:spPr>
+        <p:style>
+          <a:lnRef idx="2">
+            <a:schemeClr val="accent1">
+              <a:shade val="50000"/>
+            </a:schemeClr>
+          </a:lnRef>
+          <a:fillRef idx="1">
+            <a:schemeClr val="accent1"/>
+          </a:fillRef>
+          <a:effectRef idx="0">
+            <a:schemeClr val="accent1"/>
+          </a:effectRef>
+          <a:fontRef idx="minor">
+            <a:schemeClr val="lt1"/>
+          </a:fontRef>
+        </p:style>
+        <p:txBody>
+          <a:bodyPr rtlCol="0" anchor="ctr"/>
+          <a:lstStyle/>
+          <a:p>
+            <a:pPr algn="ctr"/>
+            <a:endParaRPr lang="de-DE"/>
+          </a:p>
+        </p:txBody>
+      </p:sp>
+      <p:grpSp>
+        <p:nvGrpSpPr>
+          <p:cNvPr id="2" name="Group 1">
+            <a:extLst>
+              <a:ext uri="{FF2B5EF4-FFF2-40B4-BE49-F238E27FC236}">
+                <a16:creationId xmlns:a16="http://schemas.microsoft.com/office/drawing/2014/main" id="{09BB5871-8A05-D340-BA7A-789B4BA5212A}"/>
+              </a:ext>
+            </a:extLst>
+          </p:cNvPr>
+          <p:cNvGrpSpPr/>
+          <p:nvPr/>
+        </p:nvGrpSpPr>
+        <p:grpSpPr>
+          <a:xfrm>
+            <a:off x="1880153" y="2157484"/>
+            <a:ext cx="9377355" cy="1862048"/>
+            <a:chOff x="181981" y="1341056"/>
+            <a:chExt cx="9377355" cy="1862048"/>
+          </a:xfrm>
+        </p:grpSpPr>
+        <p:sp>
+          <p:nvSpPr>
+            <p:cNvPr id="3" name="TextBox 2">
+              <a:extLst>
+                <a:ext uri="{FF2B5EF4-FFF2-40B4-BE49-F238E27FC236}">
+                  <a16:creationId xmlns:a16="http://schemas.microsoft.com/office/drawing/2014/main" id="{8CC8BC3D-2370-1F44-9F2B-587DB6D4ECB9}"/>
+                </a:ext>
+              </a:extLst>
+            </p:cNvPr>
+            <p:cNvSpPr txBox="1"/>
+            <p:nvPr/>
+          </p:nvSpPr>
+          <p:spPr>
+            <a:xfrm>
+              <a:off x="181981" y="1341056"/>
+              <a:ext cx="5679760" cy="1862048"/>
+            </a:xfrm>
+            <a:prstGeom prst="rect">
+              <a:avLst/>
+            </a:prstGeom>
+            <a:noFill/>
+          </p:spPr>
+          <p:txBody>
+            <a:bodyPr wrap="none" rtlCol="0">
+              <a:spAutoFit/>
+            </a:bodyPr>
+            <a:lstStyle/>
+            <a:p>
+              <a:r>
+                <a:rPr lang="de-DE" sz="11500" b="1" dirty="0" err="1">
+                  <a:latin typeface="Arial" panose="020B0604020202020204" pitchFamily="34" charset="0"/>
+                  <a:cs typeface="Arial" panose="020B0604020202020204" pitchFamily="34" charset="0"/>
+                </a:rPr>
+                <a:t>hessian</a:t>
+              </a:r>
+              <a:endParaRPr lang="de-DE" sz="11500" b="1" dirty="0">
+                <a:solidFill>
+                  <a:schemeClr val="bg1"/>
+                </a:solidFill>
+                <a:latin typeface="Arial" panose="020B0604020202020204" pitchFamily="34" charset="0"/>
+                <a:cs typeface="Arial" panose="020B0604020202020204" pitchFamily="34" charset="0"/>
+              </a:endParaRPr>
+            </a:p>
+          </p:txBody>
+        </p:sp>
+        <p:sp>
+          <p:nvSpPr>
+            <p:cNvPr id="8" name="TextBox 7">
+              <a:extLst>
+                <a:ext uri="{FF2B5EF4-FFF2-40B4-BE49-F238E27FC236}">
+                  <a16:creationId xmlns:a16="http://schemas.microsoft.com/office/drawing/2014/main" id="{7946D95A-D116-1741-8FA0-D23710671AC9}"/>
+                </a:ext>
+              </a:extLst>
+            </p:cNvPr>
+            <p:cNvSpPr txBox="1"/>
+            <p:nvPr/>
+          </p:nvSpPr>
+          <p:spPr>
+            <a:xfrm>
+              <a:off x="7641771" y="1427655"/>
+              <a:ext cx="1917565" cy="1636560"/>
+            </a:xfrm>
+            <a:prstGeom prst="rect">
+              <a:avLst/>
+            </a:prstGeom>
+            <a:noFill/>
+          </p:spPr>
+          <p:txBody>
+            <a:bodyPr wrap="none" rtlCol="0" anchor="ctr">
+              <a:noAutofit/>
+            </a:bodyPr>
+            <a:lstStyle/>
+            <a:p>
+              <a:pPr algn="ctr"/>
+              <a:r>
+                <a:rPr lang="de-DE" sz="11500" b="1" dirty="0">
+                  <a:latin typeface="Arial" panose="020B0604020202020204" pitchFamily="34" charset="0"/>
+                  <a:cs typeface="Arial" panose="020B0604020202020204" pitchFamily="34" charset="0"/>
+                </a:rPr>
+                <a:t>AI</a:t>
+              </a:r>
+            </a:p>
+          </p:txBody>
+        </p:sp>
+      </p:grpSp>
+    </p:spTree>
+    <p:extLst>
+      <p:ext uri="{BB962C8B-B14F-4D97-AF65-F5344CB8AC3E}">
+        <p14:creationId xmlns:p14="http://schemas.microsoft.com/office/powerpoint/2010/main" val="24896390"/>
+      </p:ext>
+    </p:extLst>
+  </p:cSld>
+  <p:clrMapOvr>
+    <a:masterClrMapping/>
+  </p:clrMapOvr>
+</p:sld>
+</file>
+
+<file path=ppt/slides/slide11.xml><?xml version="1.0" encoding="utf-8"?>
+<p:sld xmlns:a="http://schemas.openxmlformats.org/drawingml/2006/main" xmlns:r="http://schemas.openxmlformats.org/officeDocument/2006/relationships" xmlns:p="http://schemas.openxmlformats.org/presentationml/2006/main">
+  <p:cSld>
+    <p:spTree>
+      <p:nvGrpSpPr>
+        <p:cNvPr id="1" name=""/>
+        <p:cNvGrpSpPr/>
+        <p:nvPr/>
+      </p:nvGrpSpPr>
+      <p:grpSpPr>
+        <a:xfrm>
+          <a:off x="0" y="0"/>
+          <a:ext cx="0" cy="0"/>
+          <a:chOff x="0" y="0"/>
+          <a:chExt cx="0" cy="0"/>
+        </a:xfrm>
+      </p:grpSpPr>
+      <p:sp>
+        <p:nvSpPr>
           <p:cNvPr id="3" name="TextBox 2">
             <a:extLst>
               <a:ext uri="{FF2B5EF4-FFF2-40B4-BE49-F238E27FC236}">
@@ -4166,7 +4378,7 @@
 </p:sld>
 </file>
 
-<file path=ppt/slides/slide11.xml><?xml version="1.0" encoding="utf-8"?>
+<file path=ppt/slides/slide12.xml><?xml version="1.0" encoding="utf-8"?>
 <p:sld xmlns:a="http://schemas.openxmlformats.org/drawingml/2006/main" xmlns:r="http://schemas.openxmlformats.org/officeDocument/2006/relationships" xmlns:p="http://schemas.openxmlformats.org/presentationml/2006/main">
   <p:cSld>
     <p:spTree>
@@ -4412,214 +4624,6 @@
 </p:sld>
 </file>
 
-<file path=ppt/slides/slide12.xml><?xml version="1.0" encoding="utf-8"?>
-<p:sld xmlns:a="http://schemas.openxmlformats.org/drawingml/2006/main" xmlns:r="http://schemas.openxmlformats.org/officeDocument/2006/relationships" xmlns:p="http://schemas.openxmlformats.org/presentationml/2006/main">
-  <p:cSld>
-    <p:spTree>
-      <p:nvGrpSpPr>
-        <p:cNvPr id="1" name=""/>
-        <p:cNvGrpSpPr/>
-        <p:nvPr/>
-      </p:nvGrpSpPr>
-      <p:grpSpPr>
-        <a:xfrm>
-          <a:off x="0" y="0"/>
-          <a:ext cx="0" cy="0"/>
-          <a:chOff x="0" y="0"/>
-          <a:chExt cx="0" cy="0"/>
-        </a:xfrm>
-      </p:grpSpPr>
-      <p:sp>
-        <p:nvSpPr>
-          <p:cNvPr id="3" name="TextBox 2">
-            <a:extLst>
-              <a:ext uri="{FF2B5EF4-FFF2-40B4-BE49-F238E27FC236}">
-                <a16:creationId xmlns:a16="http://schemas.microsoft.com/office/drawing/2014/main" id="{8CC8BC3D-2370-1F44-9F2B-587DB6D4ECB9}"/>
-              </a:ext>
-            </a:extLst>
-          </p:cNvPr>
-          <p:cNvSpPr txBox="1"/>
-          <p:nvPr/>
-        </p:nvSpPr>
-        <p:spPr>
-          <a:xfrm>
-            <a:off x="181981" y="1341056"/>
-            <a:ext cx="5843266" cy="1862048"/>
-          </a:xfrm>
-          <a:prstGeom prst="rect">
-            <a:avLst/>
-          </a:prstGeom>
-          <a:solidFill>
-            <a:schemeClr val="bg1"/>
-          </a:solidFill>
-        </p:spPr>
-        <p:txBody>
-          <a:bodyPr wrap="none" rtlCol="0">
-            <a:spAutoFit/>
-          </a:bodyPr>
-          <a:lstStyle/>
-          <a:p>
-            <a:r>
-              <a:rPr lang="de-DE" sz="11500" b="1" dirty="0" err="1">
-                <a:latin typeface="Arial" panose="020B0604020202020204" pitchFamily="34" charset="0"/>
-                <a:cs typeface="Arial" panose="020B0604020202020204" pitchFamily="34" charset="0"/>
-              </a:rPr>
-              <a:t>Hessian</a:t>
-            </a:r>
-            <a:endParaRPr lang="de-DE" sz="11500" b="1" dirty="0">
-              <a:solidFill>
-                <a:schemeClr val="bg1"/>
-              </a:solidFill>
-              <a:latin typeface="Arial" panose="020B0604020202020204" pitchFamily="34" charset="0"/>
-              <a:cs typeface="Arial" panose="020B0604020202020204" pitchFamily="34" charset="0"/>
-            </a:endParaRPr>
-          </a:p>
-        </p:txBody>
-      </p:sp>
-      <p:sp>
-        <p:nvSpPr>
-          <p:cNvPr id="8" name="TextBox 7">
-            <a:extLst>
-              <a:ext uri="{FF2B5EF4-FFF2-40B4-BE49-F238E27FC236}">
-                <a16:creationId xmlns:a16="http://schemas.microsoft.com/office/drawing/2014/main" id="{7946D95A-D116-1741-8FA0-D23710671AC9}"/>
-              </a:ext>
-            </a:extLst>
-          </p:cNvPr>
-          <p:cNvSpPr txBox="1"/>
-          <p:nvPr/>
-        </p:nvSpPr>
-        <p:spPr>
-          <a:xfrm>
-            <a:off x="5967859" y="1341055"/>
-            <a:ext cx="2152344" cy="2052701"/>
-          </a:xfrm>
-          <a:prstGeom prst="rect">
-            <a:avLst/>
-          </a:prstGeom>
-          <a:solidFill>
-            <a:srgbClr val="D80A16"/>
-          </a:solidFill>
-        </p:spPr>
-        <p:txBody>
-          <a:bodyPr wrap="none" rtlCol="0" anchor="ctr">
-            <a:noAutofit/>
-          </a:bodyPr>
-          <a:lstStyle/>
-          <a:p>
-            <a:pPr algn="ctr"/>
-            <a:r>
-              <a:rPr lang="de-DE" sz="11500" b="1" dirty="0">
-                <a:solidFill>
-                  <a:schemeClr val="bg1"/>
-                </a:solidFill>
-                <a:latin typeface="Arial" panose="020B0604020202020204" pitchFamily="34" charset="0"/>
-                <a:cs typeface="Arial" panose="020B0604020202020204" pitchFamily="34" charset="0"/>
-              </a:rPr>
-              <a:t>AI</a:t>
-            </a:r>
-          </a:p>
-        </p:txBody>
-      </p:sp>
-      <p:sp>
-        <p:nvSpPr>
-          <p:cNvPr id="9" name="TextBox 8">
-            <a:extLst>
-              <a:ext uri="{FF2B5EF4-FFF2-40B4-BE49-F238E27FC236}">
-                <a16:creationId xmlns:a16="http://schemas.microsoft.com/office/drawing/2014/main" id="{6A943186-B264-C243-A2EC-4E2146ADB6AC}"/>
-              </a:ext>
-            </a:extLst>
-          </p:cNvPr>
-          <p:cNvSpPr txBox="1"/>
-          <p:nvPr/>
-        </p:nvSpPr>
-        <p:spPr>
-          <a:xfrm>
-            <a:off x="4797652" y="1346400"/>
-            <a:ext cx="1089840" cy="707886"/>
-          </a:xfrm>
-          <a:prstGeom prst="rect">
-            <a:avLst/>
-          </a:prstGeom>
-          <a:noFill/>
-        </p:spPr>
-        <p:txBody>
-          <a:bodyPr wrap="square" rtlCol="0">
-            <a:spAutoFit/>
-          </a:bodyPr>
-          <a:lstStyle/>
-          <a:p>
-            <a:r>
-              <a:rPr lang="de-DE" sz="4000" dirty="0">
-                <a:latin typeface="Arial" panose="020B0604020202020204" pitchFamily="34" charset="0"/>
-                <a:cs typeface="Arial" panose="020B0604020202020204" pitchFamily="34" charset="0"/>
-              </a:rPr>
-              <a:t>The</a:t>
-            </a:r>
-          </a:p>
-        </p:txBody>
-      </p:sp>
-      <p:sp>
-        <p:nvSpPr>
-          <p:cNvPr id="10" name="TextBox 9">
-            <a:extLst>
-              <a:ext uri="{FF2B5EF4-FFF2-40B4-BE49-F238E27FC236}">
-                <a16:creationId xmlns:a16="http://schemas.microsoft.com/office/drawing/2014/main" id="{539BC520-BD81-B740-B4AE-8E4A66068740}"/>
-              </a:ext>
-            </a:extLst>
-          </p:cNvPr>
-          <p:cNvSpPr txBox="1"/>
-          <p:nvPr/>
-        </p:nvSpPr>
-        <p:spPr>
-          <a:xfrm>
-            <a:off x="3503931" y="2767516"/>
-            <a:ext cx="2601689" cy="707886"/>
-          </a:xfrm>
-          <a:prstGeom prst="rect">
-            <a:avLst/>
-          </a:prstGeom>
-          <a:noFill/>
-        </p:spPr>
-        <p:txBody>
-          <a:bodyPr wrap="square" rtlCol="0">
-            <a:spAutoFit/>
-          </a:bodyPr>
-          <a:lstStyle/>
-          <a:p>
-            <a:r>
-              <a:rPr lang="de-DE" sz="4000" dirty="0">
-                <a:latin typeface="Arial" panose="020B0604020202020204" pitchFamily="34" charset="0"/>
-                <a:cs typeface="Arial" panose="020B0604020202020204" pitchFamily="34" charset="0"/>
-              </a:rPr>
-              <a:t>Center </a:t>
-            </a:r>
-            <a:r>
-              <a:rPr lang="de-DE" sz="4000" dirty="0" err="1">
-                <a:latin typeface="Arial" panose="020B0604020202020204" pitchFamily="34" charset="0"/>
-                <a:cs typeface="Arial" panose="020B0604020202020204" pitchFamily="34" charset="0"/>
-              </a:rPr>
-              <a:t>for</a:t>
-            </a:r>
-            <a:endParaRPr lang="de-DE" sz="4000" dirty="0">
-              <a:latin typeface="Arial" panose="020B0604020202020204" pitchFamily="34" charset="0"/>
-              <a:cs typeface="Arial" panose="020B0604020202020204" pitchFamily="34" charset="0"/>
-            </a:endParaRPr>
-          </a:p>
-        </p:txBody>
-      </p:sp>
-    </p:spTree>
-    <p:extLst>
-      <p:ext uri="{BB962C8B-B14F-4D97-AF65-F5344CB8AC3E}">
-        <p14:creationId xmlns:p14="http://schemas.microsoft.com/office/powerpoint/2010/main" val="396128455"/>
-      </p:ext>
-    </p:extLst>
-  </p:cSld>
-  <p:clrMapOvr>
-    <a:masterClrMapping/>
-  </p:clrMapOvr>
-</p:sld>
-</file>
-
 <file path=ppt/slides/slide13.xml><?xml version="1.0" encoding="utf-8"?>
 <p:sld xmlns:a="http://schemas.openxmlformats.org/drawingml/2006/main" xmlns:r="http://schemas.openxmlformats.org/officeDocument/2006/relationships" xmlns:p="http://schemas.openxmlformats.org/presentationml/2006/main">
   <p:cSld>
@@ -4758,9 +4762,6 @@
           <a:p>
             <a:r>
               <a:rPr lang="de-DE" sz="4000" dirty="0">
-                <a:solidFill>
-                  <a:srgbClr val="0A5198"/>
-                </a:solidFill>
                 <a:latin typeface="Arial" panose="020B0604020202020204" pitchFamily="34" charset="0"/>
                 <a:cs typeface="Arial" panose="020B0604020202020204" pitchFamily="34" charset="0"/>
               </a:rPr>
@@ -4799,9 +4800,6 @@
           <a:p>
             <a:r>
               <a:rPr lang="de-DE" sz="4000" dirty="0">
-                <a:solidFill>
-                  <a:srgbClr val="0A5198"/>
-                </a:solidFill>
                 <a:latin typeface="Arial" panose="020B0604020202020204" pitchFamily="34" charset="0"/>
                 <a:cs typeface="Arial" panose="020B0604020202020204" pitchFamily="34" charset="0"/>
               </a:rPr>
@@ -4809,18 +4807,12 @@
             </a:r>
             <a:r>
               <a:rPr lang="de-DE" sz="4000" dirty="0" err="1">
-                <a:solidFill>
-                  <a:srgbClr val="0A5198"/>
-                </a:solidFill>
                 <a:latin typeface="Arial" panose="020B0604020202020204" pitchFamily="34" charset="0"/>
                 <a:cs typeface="Arial" panose="020B0604020202020204" pitchFamily="34" charset="0"/>
               </a:rPr>
               <a:t>for</a:t>
             </a:r>
             <a:endParaRPr lang="de-DE" sz="4000" dirty="0">
-              <a:solidFill>
-                <a:srgbClr val="0A5198"/>
-              </a:solidFill>
               <a:latin typeface="Arial" panose="020B0604020202020204" pitchFamily="34" charset="0"/>
               <a:cs typeface="Arial" panose="020B0604020202020204" pitchFamily="34" charset="0"/>
             </a:endParaRPr>
@@ -4830,7 +4822,7 @@
     </p:spTree>
     <p:extLst>
       <p:ext uri="{BB962C8B-B14F-4D97-AF65-F5344CB8AC3E}">
-        <p14:creationId xmlns:p14="http://schemas.microsoft.com/office/powerpoint/2010/main" val="2425324762"/>
+        <p14:creationId xmlns:p14="http://schemas.microsoft.com/office/powerpoint/2010/main" val="396128455"/>
       </p:ext>
     </p:extLst>
   </p:cSld>
@@ -4925,7 +4917,7 @@
             <a:avLst/>
           </a:prstGeom>
           <a:solidFill>
-            <a:schemeClr val="tx1"/>
+            <a:srgbClr val="D80A16"/>
           </a:solidFill>
         </p:spPr>
         <p:txBody>
@@ -4962,7 +4954,7 @@
         </p:nvSpPr>
         <p:spPr>
           <a:xfrm>
-            <a:off x="4813981" y="1379058"/>
+            <a:off x="4797652" y="1346400"/>
             <a:ext cx="1089840" cy="707886"/>
           </a:xfrm>
           <a:prstGeom prst="rect">
@@ -5020,7 +5012,7 @@
             <a:r>
               <a:rPr lang="de-DE" sz="4000" dirty="0">
                 <a:solidFill>
-                  <a:srgbClr val="D80A16"/>
+                  <a:srgbClr val="0A5198"/>
                 </a:solidFill>
                 <a:latin typeface="Arial" panose="020B0604020202020204" pitchFamily="34" charset="0"/>
                 <a:cs typeface="Arial" panose="020B0604020202020204" pitchFamily="34" charset="0"/>
@@ -5030,7 +5022,7 @@
             <a:r>
               <a:rPr lang="de-DE" sz="4000" dirty="0" err="1">
                 <a:solidFill>
-                  <a:srgbClr val="D80A16"/>
+                  <a:srgbClr val="0A5198"/>
                 </a:solidFill>
                 <a:latin typeface="Arial" panose="020B0604020202020204" pitchFamily="34" charset="0"/>
                 <a:cs typeface="Arial" panose="020B0604020202020204" pitchFamily="34" charset="0"/>
@@ -5039,7 +5031,7 @@
             </a:r>
             <a:endParaRPr lang="de-DE" sz="4000" dirty="0">
               <a:solidFill>
-                <a:srgbClr val="D80A16"/>
+                <a:srgbClr val="0A5198"/>
               </a:solidFill>
               <a:latin typeface="Arial" panose="020B0604020202020204" pitchFamily="34" charset="0"/>
               <a:cs typeface="Arial" panose="020B0604020202020204" pitchFamily="34" charset="0"/>
@@ -5050,7 +5042,7 @@
     </p:spTree>
     <p:extLst>
       <p:ext uri="{BB962C8B-B14F-4D97-AF65-F5344CB8AC3E}">
-        <p14:creationId xmlns:p14="http://schemas.microsoft.com/office/powerpoint/2010/main" val="2530146650"/>
+        <p14:creationId xmlns:p14="http://schemas.microsoft.com/office/powerpoint/2010/main" val="2425324762"/>
       </p:ext>
     </p:extLst>
   </p:cSld>
@@ -5091,8 +5083,8 @@
         </p:nvSpPr>
         <p:spPr>
           <a:xfrm>
-            <a:off x="1468303" y="1116565"/>
-            <a:ext cx="4608954" cy="1477328"/>
+            <a:off x="181981" y="1341056"/>
+            <a:ext cx="5843266" cy="1862048"/>
           </a:xfrm>
           <a:prstGeom prst="rect">
             <a:avLst/>
@@ -5108,13 +5100,13 @@
           <a:lstStyle/>
           <a:p>
             <a:r>
-              <a:rPr lang="de-DE" sz="9000" b="1" dirty="0" err="1">
+              <a:rPr lang="de-DE" sz="11500" b="1" dirty="0" err="1">
                 <a:latin typeface="Arial" panose="020B0604020202020204" pitchFamily="34" charset="0"/>
                 <a:cs typeface="Arial" panose="020B0604020202020204" pitchFamily="34" charset="0"/>
               </a:rPr>
               <a:t>Hessian</a:t>
             </a:r>
-            <a:endParaRPr lang="de-DE" sz="9000" b="1" dirty="0">
+            <a:endParaRPr lang="de-DE" sz="11500" b="1" dirty="0">
               <a:solidFill>
                 <a:schemeClr val="bg1"/>
               </a:solidFill>
@@ -5138,8 +5130,8 @@
         </p:nvSpPr>
         <p:spPr>
           <a:xfrm>
-            <a:off x="5967859" y="2291281"/>
-            <a:ext cx="2152344" cy="1757264"/>
+            <a:off x="5967859" y="1341055"/>
+            <a:ext cx="2152344" cy="2052701"/>
           </a:xfrm>
           <a:prstGeom prst="rect">
             <a:avLst/>
@@ -5154,8 +5146,9 @@
           </a:bodyPr>
           <a:lstStyle/>
           <a:p>
-            <a:r>
-              <a:rPr lang="de-DE" sz="13800" b="1" dirty="0">
+            <a:pPr algn="ctr"/>
+            <a:r>
+              <a:rPr lang="de-DE" sz="11500" b="1" dirty="0">
                 <a:solidFill>
                   <a:schemeClr val="bg1"/>
                 </a:solidFill>
@@ -5181,7 +5174,7 @@
         </p:nvSpPr>
         <p:spPr>
           <a:xfrm>
-            <a:off x="4886420" y="1024587"/>
+            <a:off x="4813981" y="1379058"/>
             <a:ext cx="1089840" cy="707886"/>
           </a:xfrm>
           <a:prstGeom prst="rect">
@@ -5197,6 +5190,9 @@
           <a:p>
             <a:r>
               <a:rPr lang="de-DE" sz="4000" dirty="0">
+                <a:solidFill>
+                  <a:srgbClr val="0A5198"/>
+                </a:solidFill>
                 <a:latin typeface="Arial" panose="020B0604020202020204" pitchFamily="34" charset="0"/>
                 <a:cs typeface="Arial" panose="020B0604020202020204" pitchFamily="34" charset="0"/>
               </a:rPr>
@@ -5219,7 +5215,7 @@
         </p:nvSpPr>
         <p:spPr>
           <a:xfrm>
-            <a:off x="3511249" y="2225501"/>
+            <a:off x="3503931" y="2767516"/>
             <a:ext cx="2601689" cy="707886"/>
           </a:xfrm>
           <a:prstGeom prst="rect">
@@ -5235,6 +5231,9 @@
           <a:p>
             <a:r>
               <a:rPr lang="de-DE" sz="4000" dirty="0">
+                <a:solidFill>
+                  <a:srgbClr val="D80A16"/>
+                </a:solidFill>
                 <a:latin typeface="Arial" panose="020B0604020202020204" pitchFamily="34" charset="0"/>
                 <a:cs typeface="Arial" panose="020B0604020202020204" pitchFamily="34" charset="0"/>
               </a:rPr>
@@ -5242,12 +5241,18 @@
             </a:r>
             <a:r>
               <a:rPr lang="de-DE" sz="4000" dirty="0" err="1">
+                <a:solidFill>
+                  <a:srgbClr val="D80A16"/>
+                </a:solidFill>
                 <a:latin typeface="Arial" panose="020B0604020202020204" pitchFamily="34" charset="0"/>
                 <a:cs typeface="Arial" panose="020B0604020202020204" pitchFamily="34" charset="0"/>
               </a:rPr>
               <a:t>for</a:t>
             </a:r>
             <a:endParaRPr lang="de-DE" sz="4000" dirty="0">
+              <a:solidFill>
+                <a:srgbClr val="D80A16"/>
+              </a:solidFill>
               <a:latin typeface="Arial" panose="020B0604020202020204" pitchFamily="34" charset="0"/>
               <a:cs typeface="Arial" panose="020B0604020202020204" pitchFamily="34" charset="0"/>
             </a:endParaRPr>
@@ -5257,7 +5262,7 @@
     </p:spTree>
     <p:extLst>
       <p:ext uri="{BB962C8B-B14F-4D97-AF65-F5344CB8AC3E}">
-        <p14:creationId xmlns:p14="http://schemas.microsoft.com/office/powerpoint/2010/main" val="1624357651"/>
+        <p14:creationId xmlns:p14="http://schemas.microsoft.com/office/powerpoint/2010/main" val="2530146650"/>
       </p:ext>
     </p:extLst>
   </p:cSld>
@@ -5298,7 +5303,7 @@
         </p:nvSpPr>
         <p:spPr>
           <a:xfrm>
-            <a:off x="1468303" y="2390194"/>
+            <a:off x="1468303" y="1116565"/>
             <a:ext cx="4608954" cy="1477328"/>
           </a:xfrm>
           <a:prstGeom prst="rect">
@@ -5345,7 +5350,7 @@
         </p:nvSpPr>
         <p:spPr>
           <a:xfrm>
-            <a:off x="5976260" y="1188339"/>
+            <a:off x="5967859" y="2291281"/>
             <a:ext cx="2152344" cy="1757264"/>
           </a:xfrm>
           <a:prstGeom prst="rect">
@@ -5388,7 +5393,7 @@
         </p:nvSpPr>
         <p:spPr>
           <a:xfrm>
-            <a:off x="4886420" y="2298216"/>
+            <a:off x="4886420" y="1024587"/>
             <a:ext cx="1089840" cy="707886"/>
           </a:xfrm>
           <a:prstGeom prst="rect">
@@ -5426,7 +5431,7 @@
         </p:nvSpPr>
         <p:spPr>
           <a:xfrm>
-            <a:off x="3511249" y="3499130"/>
+            <a:off x="3511249" y="2225501"/>
             <a:ext cx="2601689" cy="707886"/>
           </a:xfrm>
           <a:prstGeom prst="rect">
@@ -5464,7 +5469,7 @@
     </p:spTree>
     <p:extLst>
       <p:ext uri="{BB962C8B-B14F-4D97-AF65-F5344CB8AC3E}">
-        <p14:creationId xmlns:p14="http://schemas.microsoft.com/office/powerpoint/2010/main" val="753909669"/>
+        <p14:creationId xmlns:p14="http://schemas.microsoft.com/office/powerpoint/2010/main" val="1624357651"/>
       </p:ext>
     </p:extLst>
   </p:cSld>
@@ -5505,7 +5510,7 @@
         </p:nvSpPr>
         <p:spPr>
           <a:xfrm>
-            <a:off x="1468303" y="1116565"/>
+            <a:off x="1468303" y="2390194"/>
             <a:ext cx="4608954" cy="1477328"/>
           </a:xfrm>
           <a:prstGeom prst="rect">
@@ -5552,8 +5557,8 @@
         </p:nvSpPr>
         <p:spPr>
           <a:xfrm>
-            <a:off x="5979283" y="1502229"/>
-            <a:ext cx="1338828" cy="2253342"/>
+            <a:off x="5976260" y="1188339"/>
+            <a:ext cx="2152344" cy="1757264"/>
           </a:xfrm>
           <a:prstGeom prst="rect">
             <a:avLst/>
@@ -5563,13 +5568,13 @@
           </a:solidFill>
         </p:spPr>
         <p:txBody>
-          <a:bodyPr wrap="none" rtlCol="0" anchor="b">
+          <a:bodyPr wrap="none" rtlCol="0" anchor="ctr">
             <a:noAutofit/>
           </a:bodyPr>
           <a:lstStyle/>
           <a:p>
             <a:r>
-              <a:rPr lang="de-DE" sz="9000" b="1" dirty="0">
+              <a:rPr lang="de-DE" sz="13800" b="1" dirty="0">
                 <a:solidFill>
                   <a:schemeClr val="bg1"/>
                 </a:solidFill>
@@ -5581,98 +5586,12 @@
           </a:p>
         </p:txBody>
       </p:sp>
-      <p:cxnSp>
-        <p:nvCxnSpPr>
-          <p:cNvPr id="9" name="Straight Connector 8">
-            <a:extLst>
-              <a:ext uri="{FF2B5EF4-FFF2-40B4-BE49-F238E27FC236}">
-                <a16:creationId xmlns:a16="http://schemas.microsoft.com/office/drawing/2014/main" id="{C9C37621-6A36-4B45-A49B-3C9677728211}"/>
-              </a:ext>
-            </a:extLst>
-          </p:cNvPr>
-          <p:cNvCxnSpPr>
-            <a:cxnSpLocks/>
-          </p:cNvCxnSpPr>
-          <p:nvPr/>
-        </p:nvCxnSpPr>
-        <p:spPr>
-          <a:xfrm>
-            <a:off x="1588046" y="2440868"/>
-            <a:ext cx="4391237" cy="0"/>
-          </a:xfrm>
-          <a:prstGeom prst="line">
-            <a:avLst/>
-          </a:prstGeom>
-          <a:ln w="38100">
-            <a:solidFill>
-              <a:schemeClr val="tx1"/>
-            </a:solidFill>
-          </a:ln>
-        </p:spPr>
-        <p:style>
-          <a:lnRef idx="1">
-            <a:schemeClr val="accent1"/>
-          </a:lnRef>
-          <a:fillRef idx="0">
-            <a:schemeClr val="accent1"/>
-          </a:fillRef>
-          <a:effectRef idx="0">
-            <a:schemeClr val="accent1"/>
-          </a:effectRef>
-          <a:fontRef idx="minor">
-            <a:schemeClr val="tx1"/>
-          </a:fontRef>
-        </p:style>
-      </p:cxnSp>
-      <p:cxnSp>
-        <p:nvCxnSpPr>
-          <p:cNvPr id="10" name="Straight Connector 9">
-            <a:extLst>
-              <a:ext uri="{FF2B5EF4-FFF2-40B4-BE49-F238E27FC236}">
-                <a16:creationId xmlns:a16="http://schemas.microsoft.com/office/drawing/2014/main" id="{5C543504-E085-254E-990C-37A23E04F84F}"/>
-              </a:ext>
-            </a:extLst>
-          </p:cNvPr>
-          <p:cNvCxnSpPr>
-            <a:cxnSpLocks/>
-          </p:cNvCxnSpPr>
-          <p:nvPr/>
-        </p:nvCxnSpPr>
-        <p:spPr>
-          <a:xfrm>
-            <a:off x="5979283" y="2440868"/>
-            <a:ext cx="1338828" cy="0"/>
-          </a:xfrm>
-          <a:prstGeom prst="line">
-            <a:avLst/>
-          </a:prstGeom>
-          <a:ln w="38100">
-            <a:solidFill>
-              <a:schemeClr val="bg1"/>
-            </a:solidFill>
-          </a:ln>
-        </p:spPr>
-        <p:style>
-          <a:lnRef idx="1">
-            <a:schemeClr val="accent1"/>
-          </a:lnRef>
-          <a:fillRef idx="0">
-            <a:schemeClr val="accent1"/>
-          </a:fillRef>
-          <a:effectRef idx="0">
-            <a:schemeClr val="accent1"/>
-          </a:effectRef>
-          <a:fontRef idx="minor">
-            <a:schemeClr val="tx1"/>
-          </a:fontRef>
-        </p:style>
-      </p:cxnSp>
-      <p:sp>
-        <p:nvSpPr>
-          <p:cNvPr id="11" name="TextBox 10">
-            <a:extLst>
-              <a:ext uri="{FF2B5EF4-FFF2-40B4-BE49-F238E27FC236}">
-                <a16:creationId xmlns:a16="http://schemas.microsoft.com/office/drawing/2014/main" id="{55EB1F97-BEE4-7E43-AE57-DD7C5C3DA63D}"/>
+      <p:sp>
+        <p:nvSpPr>
+          <p:cNvPr id="9" name="TextBox 8">
+            <a:extLst>
+              <a:ext uri="{FF2B5EF4-FFF2-40B4-BE49-F238E27FC236}">
+                <a16:creationId xmlns:a16="http://schemas.microsoft.com/office/drawing/2014/main" id="{6A943186-B264-C243-A2EC-4E2146ADB6AC}"/>
               </a:ext>
             </a:extLst>
           </p:cNvPr>
@@ -5681,8 +5600,8 @@
         </p:nvSpPr>
         <p:spPr>
           <a:xfrm>
-            <a:off x="2204358" y="2368046"/>
-            <a:ext cx="3807583" cy="646331"/>
+            <a:off x="4886420" y="2298216"/>
+            <a:ext cx="1089840" cy="707886"/>
           </a:xfrm>
           <a:prstGeom prst="rect">
             <a:avLst/>
@@ -5696,155 +5615,21 @@
           <a:lstStyle/>
           <a:p>
             <a:r>
-              <a:rPr lang="de-DE" sz="3600" dirty="0"/>
-              <a:t>The </a:t>
-            </a:r>
-            <a:r>
-              <a:rPr lang="de-DE" sz="3600" dirty="0" err="1"/>
-              <a:t>Hessian</a:t>
-            </a:r>
-            <a:r>
-              <a:rPr lang="de-DE" sz="3600" dirty="0"/>
-              <a:t> Center</a:t>
-            </a:r>
-          </a:p>
-        </p:txBody>
-      </p:sp>
-      <p:sp>
-        <p:nvSpPr>
-          <p:cNvPr id="14" name="Rectangle 13">
-            <a:extLst>
-              <a:ext uri="{FF2B5EF4-FFF2-40B4-BE49-F238E27FC236}">
-                <a16:creationId xmlns:a16="http://schemas.microsoft.com/office/drawing/2014/main" id="{5DCA4234-CDD8-A24E-AABC-666D2A2F3574}"/>
-              </a:ext>
-            </a:extLst>
-          </p:cNvPr>
-          <p:cNvSpPr/>
-          <p:nvPr/>
-        </p:nvSpPr>
-        <p:spPr>
-          <a:xfrm>
-            <a:off x="6128628" y="1803793"/>
-            <a:ext cx="720005" cy="646331"/>
-          </a:xfrm>
-          <a:prstGeom prst="rect">
-            <a:avLst/>
-          </a:prstGeom>
-        </p:spPr>
-        <p:txBody>
-          <a:bodyPr wrap="none">
-            <a:spAutoFit/>
-          </a:bodyPr>
-          <a:lstStyle/>
-          <a:p>
-            <a:r>
-              <a:rPr lang="de-DE" sz="3600" dirty="0" err="1">
-                <a:solidFill>
-                  <a:schemeClr val="bg1"/>
-                </a:solidFill>
+              <a:rPr lang="de-DE" sz="4000" dirty="0">
+                <a:latin typeface="Arial" panose="020B0604020202020204" pitchFamily="34" charset="0"/>
+                <a:cs typeface="Arial" panose="020B0604020202020204" pitchFamily="34" charset="0"/>
               </a:rPr>
-              <a:t>for</a:t>
-            </a:r>
-            <a:endParaRPr lang="de-DE" sz="3600" dirty="0">
-              <a:solidFill>
-                <a:schemeClr val="bg1"/>
-              </a:solidFill>
-            </a:endParaRPr>
-          </a:p>
-        </p:txBody>
-      </p:sp>
-      <p:cxnSp>
-        <p:nvCxnSpPr>
-          <p:cNvPr id="15" name="Straight Connector 14">
-            <a:extLst>
-              <a:ext uri="{FF2B5EF4-FFF2-40B4-BE49-F238E27FC236}">
-                <a16:creationId xmlns:a16="http://schemas.microsoft.com/office/drawing/2014/main" id="{CDA26A7E-B3C2-404E-84C3-6CDD6718AD0A}"/>
-              </a:ext>
-            </a:extLst>
-          </p:cNvPr>
-          <p:cNvCxnSpPr>
-            <a:cxnSpLocks/>
-          </p:cNvCxnSpPr>
-          <p:nvPr/>
-        </p:nvCxnSpPr>
-        <p:spPr>
-          <a:xfrm>
-            <a:off x="2204358" y="5287485"/>
-            <a:ext cx="5442365" cy="0"/>
-          </a:xfrm>
-          <a:prstGeom prst="line">
-            <a:avLst/>
-          </a:prstGeom>
-          <a:ln w="38100">
-            <a:solidFill>
-              <a:schemeClr val="tx1"/>
-            </a:solidFill>
-          </a:ln>
-        </p:spPr>
-        <p:style>
-          <a:lnRef idx="1">
-            <a:schemeClr val="accent1"/>
-          </a:lnRef>
-          <a:fillRef idx="0">
-            <a:schemeClr val="accent1"/>
-          </a:fillRef>
-          <a:effectRef idx="0">
-            <a:schemeClr val="accent1"/>
-          </a:effectRef>
-          <a:fontRef idx="minor">
-            <a:schemeClr val="tx1"/>
-          </a:fontRef>
-        </p:style>
-      </p:cxnSp>
-      <p:cxnSp>
-        <p:nvCxnSpPr>
-          <p:cNvPr id="16" name="Straight Connector 15">
-            <a:extLst>
-              <a:ext uri="{FF2B5EF4-FFF2-40B4-BE49-F238E27FC236}">
-                <a16:creationId xmlns:a16="http://schemas.microsoft.com/office/drawing/2014/main" id="{B80B5179-CEDC-D741-8442-BEDCD8D7B6CA}"/>
-              </a:ext>
-            </a:extLst>
-          </p:cNvPr>
-          <p:cNvCxnSpPr>
-            <a:cxnSpLocks/>
-          </p:cNvCxnSpPr>
-          <p:nvPr/>
-        </p:nvCxnSpPr>
-        <p:spPr>
-          <a:xfrm>
-            <a:off x="4212770" y="4359733"/>
-            <a:ext cx="0" cy="1671401"/>
-          </a:xfrm>
-          <a:prstGeom prst="line">
-            <a:avLst/>
-          </a:prstGeom>
-          <a:ln w="38100">
-            <a:solidFill>
-              <a:schemeClr val="tx1"/>
-            </a:solidFill>
-          </a:ln>
-        </p:spPr>
-        <p:style>
-          <a:lnRef idx="1">
-            <a:schemeClr val="accent1"/>
-          </a:lnRef>
-          <a:fillRef idx="0">
-            <a:schemeClr val="accent1"/>
-          </a:fillRef>
-          <a:effectRef idx="0">
-            <a:schemeClr val="accent1"/>
-          </a:effectRef>
-          <a:fontRef idx="minor">
-            <a:schemeClr val="tx1"/>
-          </a:fontRef>
-        </p:style>
-      </p:cxnSp>
-      <p:sp>
-        <p:nvSpPr>
-          <p:cNvPr id="20" name="TextBox 19">
-            <a:extLst>
-              <a:ext uri="{FF2B5EF4-FFF2-40B4-BE49-F238E27FC236}">
-                <a16:creationId xmlns:a16="http://schemas.microsoft.com/office/drawing/2014/main" id="{B0928D72-A7AB-2449-8CD1-33DA41D8C040}"/>
+              <a:t>The</a:t>
+            </a:r>
+          </a:p>
+        </p:txBody>
+      </p:sp>
+      <p:sp>
+        <p:nvSpPr>
+          <p:cNvPr id="10" name="TextBox 9">
+            <a:extLst>
+              <a:ext uri="{FF2B5EF4-FFF2-40B4-BE49-F238E27FC236}">
+                <a16:creationId xmlns:a16="http://schemas.microsoft.com/office/drawing/2014/main" id="{539BC520-BD81-B740-B4AE-8E4A66068740}"/>
               </a:ext>
             </a:extLst>
           </p:cNvPr>
@@ -5853,8 +5638,8 @@
         </p:nvSpPr>
         <p:spPr>
           <a:xfrm>
-            <a:off x="4212770" y="4289920"/>
-            <a:ext cx="3433953" cy="1107996"/>
+            <a:off x="3511249" y="3499130"/>
+            <a:ext cx="2601689" cy="707886"/>
           </a:xfrm>
           <a:prstGeom prst="rect">
             <a:avLst/>
@@ -5862,150 +5647,36 @@
           <a:noFill/>
         </p:spPr>
         <p:txBody>
-          <a:bodyPr wrap="none" rtlCol="0">
+          <a:bodyPr wrap="square" rtlCol="0">
             <a:spAutoFit/>
           </a:bodyPr>
           <a:lstStyle/>
           <a:p>
             <a:r>
-              <a:rPr lang="de-DE" sz="6600" b="1" dirty="0" err="1">
+              <a:rPr lang="de-DE" sz="4000" dirty="0">
                 <a:latin typeface="Arial" panose="020B0604020202020204" pitchFamily="34" charset="0"/>
                 <a:cs typeface="Arial" panose="020B0604020202020204" pitchFamily="34" charset="0"/>
               </a:rPr>
-              <a:t>Hessian</a:t>
-            </a:r>
-            <a:endParaRPr lang="de-DE" sz="6600" b="1" dirty="0">
-              <a:solidFill>
-                <a:schemeClr val="bg1"/>
-              </a:solidFill>
+              <a:t>Center </a:t>
+            </a:r>
+            <a:r>
+              <a:rPr lang="de-DE" sz="4000" dirty="0" err="1">
+                <a:latin typeface="Arial" panose="020B0604020202020204" pitchFamily="34" charset="0"/>
+                <a:cs typeface="Arial" panose="020B0604020202020204" pitchFamily="34" charset="0"/>
+              </a:rPr>
+              <a:t>for</a:t>
+            </a:r>
+            <a:endParaRPr lang="de-DE" sz="4000" dirty="0">
               <a:latin typeface="Arial" panose="020B0604020202020204" pitchFamily="34" charset="0"/>
               <a:cs typeface="Arial" panose="020B0604020202020204" pitchFamily="34" charset="0"/>
             </a:endParaRPr>
           </a:p>
         </p:txBody>
       </p:sp>
-      <p:sp>
-        <p:nvSpPr>
-          <p:cNvPr id="22" name="TextBox 21">
-            <a:extLst>
-              <a:ext uri="{FF2B5EF4-FFF2-40B4-BE49-F238E27FC236}">
-                <a16:creationId xmlns:a16="http://schemas.microsoft.com/office/drawing/2014/main" id="{5A49C130-5DAD-0C4C-9F0B-B62115C29AFF}"/>
-              </a:ext>
-            </a:extLst>
-          </p:cNvPr>
-          <p:cNvSpPr txBox="1"/>
-          <p:nvPr/>
-        </p:nvSpPr>
-        <p:spPr>
-          <a:xfrm>
-            <a:off x="3295895" y="4717609"/>
-            <a:ext cx="3807583" cy="646331"/>
-          </a:xfrm>
-          <a:prstGeom prst="rect">
-            <a:avLst/>
-          </a:prstGeom>
-          <a:noFill/>
-        </p:spPr>
-        <p:txBody>
-          <a:bodyPr wrap="square" rtlCol="0">
-            <a:spAutoFit/>
-          </a:bodyPr>
-          <a:lstStyle/>
-          <a:p>
-            <a:r>
-              <a:rPr lang="de-DE" sz="3600" dirty="0"/>
-              <a:t>The</a:t>
-            </a:r>
-          </a:p>
-        </p:txBody>
-      </p:sp>
-      <p:sp>
-        <p:nvSpPr>
-          <p:cNvPr id="23" name="TextBox 22">
-            <a:extLst>
-              <a:ext uri="{FF2B5EF4-FFF2-40B4-BE49-F238E27FC236}">
-                <a16:creationId xmlns:a16="http://schemas.microsoft.com/office/drawing/2014/main" id="{7F93B269-BB66-DE49-9737-92B6036A399B}"/>
-              </a:ext>
-            </a:extLst>
-          </p:cNvPr>
-          <p:cNvSpPr txBox="1"/>
-          <p:nvPr/>
-        </p:nvSpPr>
-        <p:spPr>
-          <a:xfrm>
-            <a:off x="2122163" y="5384803"/>
-            <a:ext cx="3807583" cy="646331"/>
-          </a:xfrm>
-          <a:prstGeom prst="rect">
-            <a:avLst/>
-          </a:prstGeom>
-          <a:noFill/>
-        </p:spPr>
-        <p:txBody>
-          <a:bodyPr wrap="square" rtlCol="0">
-            <a:spAutoFit/>
-          </a:bodyPr>
-          <a:lstStyle/>
-          <a:p>
-            <a:r>
-              <a:rPr lang="de-DE" sz="3600" dirty="0"/>
-              <a:t>Center </a:t>
-            </a:r>
-            <a:r>
-              <a:rPr lang="de-DE" sz="3600" dirty="0" err="1"/>
-              <a:t>for</a:t>
-            </a:r>
-            <a:endParaRPr lang="de-DE" sz="3600" dirty="0"/>
-          </a:p>
-        </p:txBody>
-      </p:sp>
-      <p:sp>
-        <p:nvSpPr>
-          <p:cNvPr id="28" name="TextBox 27">
-            <a:extLst>
-              <a:ext uri="{FF2B5EF4-FFF2-40B4-BE49-F238E27FC236}">
-                <a16:creationId xmlns:a16="http://schemas.microsoft.com/office/drawing/2014/main" id="{1CC178D8-A0A0-B14A-BDC8-3E360078EAE5}"/>
-              </a:ext>
-            </a:extLst>
-          </p:cNvPr>
-          <p:cNvSpPr txBox="1"/>
-          <p:nvPr/>
-        </p:nvSpPr>
-        <p:spPr>
-          <a:xfrm>
-            <a:off x="4318566" y="5384803"/>
-            <a:ext cx="3222360" cy="782445"/>
-          </a:xfrm>
-          <a:prstGeom prst="rect">
-            <a:avLst/>
-          </a:prstGeom>
-          <a:solidFill>
-            <a:schemeClr val="tx1"/>
-          </a:solidFill>
-        </p:spPr>
-        <p:txBody>
-          <a:bodyPr wrap="none" rtlCol="0" anchor="b">
-            <a:noAutofit/>
-          </a:bodyPr>
-          <a:lstStyle/>
-          <a:p>
-            <a:r>
-              <a:rPr lang="de-DE" sz="4800" b="1" dirty="0">
-                <a:solidFill>
-                  <a:schemeClr val="bg1"/>
-                </a:solidFill>
-                <a:latin typeface="Arial" panose="020B0604020202020204" pitchFamily="34" charset="0"/>
-                <a:cs typeface="Arial" panose="020B0604020202020204" pitchFamily="34" charset="0"/>
-              </a:rPr>
-              <a:t>AI</a:t>
-            </a:r>
-          </a:p>
-        </p:txBody>
-      </p:sp>
     </p:spTree>
     <p:extLst>
       <p:ext uri="{BB962C8B-B14F-4D97-AF65-F5344CB8AC3E}">
-        <p14:creationId xmlns:p14="http://schemas.microsoft.com/office/powerpoint/2010/main" val="1354396830"/>
+        <p14:creationId xmlns:p14="http://schemas.microsoft.com/office/powerpoint/2010/main" val="753909669"/>
       </p:ext>
     </p:extLst>
   </p:cSld>
@@ -6208,6 +5879,92 @@
           </a:fontRef>
         </p:style>
       </p:cxnSp>
+      <p:sp>
+        <p:nvSpPr>
+          <p:cNvPr id="11" name="TextBox 10">
+            <a:extLst>
+              <a:ext uri="{FF2B5EF4-FFF2-40B4-BE49-F238E27FC236}">
+                <a16:creationId xmlns:a16="http://schemas.microsoft.com/office/drawing/2014/main" id="{55EB1F97-BEE4-7E43-AE57-DD7C5C3DA63D}"/>
+              </a:ext>
+            </a:extLst>
+          </p:cNvPr>
+          <p:cNvSpPr txBox="1"/>
+          <p:nvPr/>
+        </p:nvSpPr>
+        <p:spPr>
+          <a:xfrm>
+            <a:off x="2204358" y="2368046"/>
+            <a:ext cx="3807583" cy="646331"/>
+          </a:xfrm>
+          <a:prstGeom prst="rect">
+            <a:avLst/>
+          </a:prstGeom>
+          <a:noFill/>
+        </p:spPr>
+        <p:txBody>
+          <a:bodyPr wrap="square" rtlCol="0">
+            <a:spAutoFit/>
+          </a:bodyPr>
+          <a:lstStyle/>
+          <a:p>
+            <a:r>
+              <a:rPr lang="de-DE" sz="3600" dirty="0"/>
+              <a:t>The </a:t>
+            </a:r>
+            <a:r>
+              <a:rPr lang="de-DE" sz="3600" dirty="0" err="1"/>
+              <a:t>Hessian</a:t>
+            </a:r>
+            <a:r>
+              <a:rPr lang="de-DE" sz="3600" dirty="0"/>
+              <a:t> Center</a:t>
+            </a:r>
+          </a:p>
+        </p:txBody>
+      </p:sp>
+      <p:sp>
+        <p:nvSpPr>
+          <p:cNvPr id="14" name="Rectangle 13">
+            <a:extLst>
+              <a:ext uri="{FF2B5EF4-FFF2-40B4-BE49-F238E27FC236}">
+                <a16:creationId xmlns:a16="http://schemas.microsoft.com/office/drawing/2014/main" id="{5DCA4234-CDD8-A24E-AABC-666D2A2F3574}"/>
+              </a:ext>
+            </a:extLst>
+          </p:cNvPr>
+          <p:cNvSpPr/>
+          <p:nvPr/>
+        </p:nvSpPr>
+        <p:spPr>
+          <a:xfrm>
+            <a:off x="6128628" y="1803793"/>
+            <a:ext cx="720005" cy="646331"/>
+          </a:xfrm>
+          <a:prstGeom prst="rect">
+            <a:avLst/>
+          </a:prstGeom>
+        </p:spPr>
+        <p:txBody>
+          <a:bodyPr wrap="none">
+            <a:spAutoFit/>
+          </a:bodyPr>
+          <a:lstStyle/>
+          <a:p>
+            <a:r>
+              <a:rPr lang="de-DE" sz="3600" dirty="0" err="1">
+                <a:solidFill>
+                  <a:schemeClr val="bg1"/>
+                </a:solidFill>
+              </a:rPr>
+              <a:t>for</a:t>
+            </a:r>
+            <a:endParaRPr lang="de-DE" sz="3600" dirty="0">
+              <a:solidFill>
+                <a:schemeClr val="bg1"/>
+              </a:solidFill>
+            </a:endParaRPr>
+          </a:p>
+        </p:txBody>
+      </p:sp>
       <p:cxnSp>
         <p:nvCxnSpPr>
           <p:cNvPr id="15" name="Straight Connector 14">
@@ -6460,6 +6217,461 @@
     </p:spTree>
     <p:extLst>
       <p:ext uri="{BB962C8B-B14F-4D97-AF65-F5344CB8AC3E}">
+        <p14:creationId xmlns:p14="http://schemas.microsoft.com/office/powerpoint/2010/main" val="1354396830"/>
+      </p:ext>
+    </p:extLst>
+  </p:cSld>
+  <p:clrMapOvr>
+    <a:masterClrMapping/>
+  </p:clrMapOvr>
+</p:sld>
+</file>
+
+<file path=ppt/slides/slide19.xml><?xml version="1.0" encoding="utf-8"?>
+<p:sld xmlns:a="http://schemas.openxmlformats.org/drawingml/2006/main" xmlns:r="http://schemas.openxmlformats.org/officeDocument/2006/relationships" xmlns:p="http://schemas.openxmlformats.org/presentationml/2006/main">
+  <p:cSld>
+    <p:spTree>
+      <p:nvGrpSpPr>
+        <p:cNvPr id="1" name=""/>
+        <p:cNvGrpSpPr/>
+        <p:nvPr/>
+      </p:nvGrpSpPr>
+      <p:grpSpPr>
+        <a:xfrm>
+          <a:off x="0" y="0"/>
+          <a:ext cx="0" cy="0"/>
+          <a:chOff x="0" y="0"/>
+          <a:chExt cx="0" cy="0"/>
+        </a:xfrm>
+      </p:grpSpPr>
+      <p:sp>
+        <p:nvSpPr>
+          <p:cNvPr id="3" name="TextBox 2">
+            <a:extLst>
+              <a:ext uri="{FF2B5EF4-FFF2-40B4-BE49-F238E27FC236}">
+                <a16:creationId xmlns:a16="http://schemas.microsoft.com/office/drawing/2014/main" id="{8CC8BC3D-2370-1F44-9F2B-587DB6D4ECB9}"/>
+              </a:ext>
+            </a:extLst>
+          </p:cNvPr>
+          <p:cNvSpPr txBox="1"/>
+          <p:nvPr/>
+        </p:nvSpPr>
+        <p:spPr>
+          <a:xfrm>
+            <a:off x="1468303" y="1116565"/>
+            <a:ext cx="4608954" cy="1477328"/>
+          </a:xfrm>
+          <a:prstGeom prst="rect">
+            <a:avLst/>
+          </a:prstGeom>
+          <a:solidFill>
+            <a:schemeClr val="bg1"/>
+          </a:solidFill>
+        </p:spPr>
+        <p:txBody>
+          <a:bodyPr wrap="none" rtlCol="0">
+            <a:spAutoFit/>
+          </a:bodyPr>
+          <a:lstStyle/>
+          <a:p>
+            <a:r>
+              <a:rPr lang="de-DE" sz="9000" b="1" dirty="0" err="1">
+                <a:latin typeface="Arial" panose="020B0604020202020204" pitchFamily="34" charset="0"/>
+                <a:cs typeface="Arial" panose="020B0604020202020204" pitchFamily="34" charset="0"/>
+              </a:rPr>
+              <a:t>Hessian</a:t>
+            </a:r>
+            <a:endParaRPr lang="de-DE" sz="9000" b="1" dirty="0">
+              <a:solidFill>
+                <a:schemeClr val="bg1"/>
+              </a:solidFill>
+              <a:latin typeface="Arial" panose="020B0604020202020204" pitchFamily="34" charset="0"/>
+              <a:cs typeface="Arial" panose="020B0604020202020204" pitchFamily="34" charset="0"/>
+            </a:endParaRPr>
+          </a:p>
+        </p:txBody>
+      </p:sp>
+      <p:sp>
+        <p:nvSpPr>
+          <p:cNvPr id="8" name="TextBox 7">
+            <a:extLst>
+              <a:ext uri="{FF2B5EF4-FFF2-40B4-BE49-F238E27FC236}">
+                <a16:creationId xmlns:a16="http://schemas.microsoft.com/office/drawing/2014/main" id="{7946D95A-D116-1741-8FA0-D23710671AC9}"/>
+              </a:ext>
+            </a:extLst>
+          </p:cNvPr>
+          <p:cNvSpPr txBox="1"/>
+          <p:nvPr/>
+        </p:nvSpPr>
+        <p:spPr>
+          <a:xfrm>
+            <a:off x="5979283" y="1502229"/>
+            <a:ext cx="1338828" cy="2253342"/>
+          </a:xfrm>
+          <a:prstGeom prst="rect">
+            <a:avLst/>
+          </a:prstGeom>
+          <a:solidFill>
+            <a:schemeClr val="tx1"/>
+          </a:solidFill>
+        </p:spPr>
+        <p:txBody>
+          <a:bodyPr wrap="none" rtlCol="0" anchor="b">
+            <a:noAutofit/>
+          </a:bodyPr>
+          <a:lstStyle/>
+          <a:p>
+            <a:r>
+              <a:rPr lang="de-DE" sz="9000" b="1" dirty="0">
+                <a:solidFill>
+                  <a:schemeClr val="bg1"/>
+                </a:solidFill>
+                <a:latin typeface="Arial" panose="020B0604020202020204" pitchFamily="34" charset="0"/>
+                <a:cs typeface="Arial" panose="020B0604020202020204" pitchFamily="34" charset="0"/>
+              </a:rPr>
+              <a:t>AI</a:t>
+            </a:r>
+          </a:p>
+        </p:txBody>
+      </p:sp>
+      <p:cxnSp>
+        <p:nvCxnSpPr>
+          <p:cNvPr id="9" name="Straight Connector 8">
+            <a:extLst>
+              <a:ext uri="{FF2B5EF4-FFF2-40B4-BE49-F238E27FC236}">
+                <a16:creationId xmlns:a16="http://schemas.microsoft.com/office/drawing/2014/main" id="{C9C37621-6A36-4B45-A49B-3C9677728211}"/>
+              </a:ext>
+            </a:extLst>
+          </p:cNvPr>
+          <p:cNvCxnSpPr>
+            <a:cxnSpLocks/>
+          </p:cNvCxnSpPr>
+          <p:nvPr/>
+        </p:nvCxnSpPr>
+        <p:spPr>
+          <a:xfrm>
+            <a:off x="1588046" y="2440868"/>
+            <a:ext cx="4391237" cy="0"/>
+          </a:xfrm>
+          <a:prstGeom prst="line">
+            <a:avLst/>
+          </a:prstGeom>
+          <a:ln w="38100">
+            <a:solidFill>
+              <a:schemeClr val="tx1"/>
+            </a:solidFill>
+          </a:ln>
+        </p:spPr>
+        <p:style>
+          <a:lnRef idx="1">
+            <a:schemeClr val="accent1"/>
+          </a:lnRef>
+          <a:fillRef idx="0">
+            <a:schemeClr val="accent1"/>
+          </a:fillRef>
+          <a:effectRef idx="0">
+            <a:schemeClr val="accent1"/>
+          </a:effectRef>
+          <a:fontRef idx="minor">
+            <a:schemeClr val="tx1"/>
+          </a:fontRef>
+        </p:style>
+      </p:cxnSp>
+      <p:cxnSp>
+        <p:nvCxnSpPr>
+          <p:cNvPr id="10" name="Straight Connector 9">
+            <a:extLst>
+              <a:ext uri="{FF2B5EF4-FFF2-40B4-BE49-F238E27FC236}">
+                <a16:creationId xmlns:a16="http://schemas.microsoft.com/office/drawing/2014/main" id="{5C543504-E085-254E-990C-37A23E04F84F}"/>
+              </a:ext>
+            </a:extLst>
+          </p:cNvPr>
+          <p:cNvCxnSpPr>
+            <a:cxnSpLocks/>
+          </p:cNvCxnSpPr>
+          <p:nvPr/>
+        </p:nvCxnSpPr>
+        <p:spPr>
+          <a:xfrm>
+            <a:off x="5979283" y="2440868"/>
+            <a:ext cx="1338828" cy="0"/>
+          </a:xfrm>
+          <a:prstGeom prst="line">
+            <a:avLst/>
+          </a:prstGeom>
+          <a:ln w="38100">
+            <a:solidFill>
+              <a:schemeClr val="bg1"/>
+            </a:solidFill>
+          </a:ln>
+        </p:spPr>
+        <p:style>
+          <a:lnRef idx="1">
+            <a:schemeClr val="accent1"/>
+          </a:lnRef>
+          <a:fillRef idx="0">
+            <a:schemeClr val="accent1"/>
+          </a:fillRef>
+          <a:effectRef idx="0">
+            <a:schemeClr val="accent1"/>
+          </a:effectRef>
+          <a:fontRef idx="minor">
+            <a:schemeClr val="tx1"/>
+          </a:fontRef>
+        </p:style>
+      </p:cxnSp>
+      <p:cxnSp>
+        <p:nvCxnSpPr>
+          <p:cNvPr id="15" name="Straight Connector 14">
+            <a:extLst>
+              <a:ext uri="{FF2B5EF4-FFF2-40B4-BE49-F238E27FC236}">
+                <a16:creationId xmlns:a16="http://schemas.microsoft.com/office/drawing/2014/main" id="{CDA26A7E-B3C2-404E-84C3-6CDD6718AD0A}"/>
+              </a:ext>
+            </a:extLst>
+          </p:cNvPr>
+          <p:cNvCxnSpPr>
+            <a:cxnSpLocks/>
+          </p:cNvCxnSpPr>
+          <p:nvPr/>
+        </p:nvCxnSpPr>
+        <p:spPr>
+          <a:xfrm>
+            <a:off x="2204358" y="5287485"/>
+            <a:ext cx="5442365" cy="0"/>
+          </a:xfrm>
+          <a:prstGeom prst="line">
+            <a:avLst/>
+          </a:prstGeom>
+          <a:ln w="38100">
+            <a:solidFill>
+              <a:schemeClr val="tx1"/>
+            </a:solidFill>
+          </a:ln>
+        </p:spPr>
+        <p:style>
+          <a:lnRef idx="1">
+            <a:schemeClr val="accent1"/>
+          </a:lnRef>
+          <a:fillRef idx="0">
+            <a:schemeClr val="accent1"/>
+          </a:fillRef>
+          <a:effectRef idx="0">
+            <a:schemeClr val="accent1"/>
+          </a:effectRef>
+          <a:fontRef idx="minor">
+            <a:schemeClr val="tx1"/>
+          </a:fontRef>
+        </p:style>
+      </p:cxnSp>
+      <p:cxnSp>
+        <p:nvCxnSpPr>
+          <p:cNvPr id="16" name="Straight Connector 15">
+            <a:extLst>
+              <a:ext uri="{FF2B5EF4-FFF2-40B4-BE49-F238E27FC236}">
+                <a16:creationId xmlns:a16="http://schemas.microsoft.com/office/drawing/2014/main" id="{B80B5179-CEDC-D741-8442-BEDCD8D7B6CA}"/>
+              </a:ext>
+            </a:extLst>
+          </p:cNvPr>
+          <p:cNvCxnSpPr>
+            <a:cxnSpLocks/>
+          </p:cNvCxnSpPr>
+          <p:nvPr/>
+        </p:nvCxnSpPr>
+        <p:spPr>
+          <a:xfrm>
+            <a:off x="4212770" y="4359733"/>
+            <a:ext cx="0" cy="1671401"/>
+          </a:xfrm>
+          <a:prstGeom prst="line">
+            <a:avLst/>
+          </a:prstGeom>
+          <a:ln w="38100">
+            <a:solidFill>
+              <a:schemeClr val="tx1"/>
+            </a:solidFill>
+          </a:ln>
+        </p:spPr>
+        <p:style>
+          <a:lnRef idx="1">
+            <a:schemeClr val="accent1"/>
+          </a:lnRef>
+          <a:fillRef idx="0">
+            <a:schemeClr val="accent1"/>
+          </a:fillRef>
+          <a:effectRef idx="0">
+            <a:schemeClr val="accent1"/>
+          </a:effectRef>
+          <a:fontRef idx="minor">
+            <a:schemeClr val="tx1"/>
+          </a:fontRef>
+        </p:style>
+      </p:cxnSp>
+      <p:sp>
+        <p:nvSpPr>
+          <p:cNvPr id="20" name="TextBox 19">
+            <a:extLst>
+              <a:ext uri="{FF2B5EF4-FFF2-40B4-BE49-F238E27FC236}">
+                <a16:creationId xmlns:a16="http://schemas.microsoft.com/office/drawing/2014/main" id="{B0928D72-A7AB-2449-8CD1-33DA41D8C040}"/>
+              </a:ext>
+            </a:extLst>
+          </p:cNvPr>
+          <p:cNvSpPr txBox="1"/>
+          <p:nvPr/>
+        </p:nvSpPr>
+        <p:spPr>
+          <a:xfrm>
+            <a:off x="4212770" y="4289920"/>
+            <a:ext cx="3433953" cy="1107996"/>
+          </a:xfrm>
+          <a:prstGeom prst="rect">
+            <a:avLst/>
+          </a:prstGeom>
+          <a:noFill/>
+        </p:spPr>
+        <p:txBody>
+          <a:bodyPr wrap="none" rtlCol="0">
+            <a:spAutoFit/>
+          </a:bodyPr>
+          <a:lstStyle/>
+          <a:p>
+            <a:r>
+              <a:rPr lang="de-DE" sz="6600" b="1" dirty="0" err="1">
+                <a:latin typeface="Arial" panose="020B0604020202020204" pitchFamily="34" charset="0"/>
+                <a:cs typeface="Arial" panose="020B0604020202020204" pitchFamily="34" charset="0"/>
+              </a:rPr>
+              <a:t>Hessian</a:t>
+            </a:r>
+            <a:endParaRPr lang="de-DE" sz="6600" b="1" dirty="0">
+              <a:solidFill>
+                <a:schemeClr val="bg1"/>
+              </a:solidFill>
+              <a:latin typeface="Arial" panose="020B0604020202020204" pitchFamily="34" charset="0"/>
+              <a:cs typeface="Arial" panose="020B0604020202020204" pitchFamily="34" charset="0"/>
+            </a:endParaRPr>
+          </a:p>
+        </p:txBody>
+      </p:sp>
+      <p:sp>
+        <p:nvSpPr>
+          <p:cNvPr id="22" name="TextBox 21">
+            <a:extLst>
+              <a:ext uri="{FF2B5EF4-FFF2-40B4-BE49-F238E27FC236}">
+                <a16:creationId xmlns:a16="http://schemas.microsoft.com/office/drawing/2014/main" id="{5A49C130-5DAD-0C4C-9F0B-B62115C29AFF}"/>
+              </a:ext>
+            </a:extLst>
+          </p:cNvPr>
+          <p:cNvSpPr txBox="1"/>
+          <p:nvPr/>
+        </p:nvSpPr>
+        <p:spPr>
+          <a:xfrm>
+            <a:off x="3295895" y="4717609"/>
+            <a:ext cx="3807583" cy="646331"/>
+          </a:xfrm>
+          <a:prstGeom prst="rect">
+            <a:avLst/>
+          </a:prstGeom>
+          <a:noFill/>
+        </p:spPr>
+        <p:txBody>
+          <a:bodyPr wrap="square" rtlCol="0">
+            <a:spAutoFit/>
+          </a:bodyPr>
+          <a:lstStyle/>
+          <a:p>
+            <a:r>
+              <a:rPr lang="de-DE" sz="3600" dirty="0"/>
+              <a:t>The</a:t>
+            </a:r>
+          </a:p>
+        </p:txBody>
+      </p:sp>
+      <p:sp>
+        <p:nvSpPr>
+          <p:cNvPr id="23" name="TextBox 22">
+            <a:extLst>
+              <a:ext uri="{FF2B5EF4-FFF2-40B4-BE49-F238E27FC236}">
+                <a16:creationId xmlns:a16="http://schemas.microsoft.com/office/drawing/2014/main" id="{7F93B269-BB66-DE49-9737-92B6036A399B}"/>
+              </a:ext>
+            </a:extLst>
+          </p:cNvPr>
+          <p:cNvSpPr txBox="1"/>
+          <p:nvPr/>
+        </p:nvSpPr>
+        <p:spPr>
+          <a:xfrm>
+            <a:off x="2122163" y="5384803"/>
+            <a:ext cx="3807583" cy="646331"/>
+          </a:xfrm>
+          <a:prstGeom prst="rect">
+            <a:avLst/>
+          </a:prstGeom>
+          <a:noFill/>
+        </p:spPr>
+        <p:txBody>
+          <a:bodyPr wrap="square" rtlCol="0">
+            <a:spAutoFit/>
+          </a:bodyPr>
+          <a:lstStyle/>
+          <a:p>
+            <a:r>
+              <a:rPr lang="de-DE" sz="3600" dirty="0"/>
+              <a:t>Center </a:t>
+            </a:r>
+            <a:r>
+              <a:rPr lang="de-DE" sz="3600" dirty="0" err="1"/>
+              <a:t>for</a:t>
+            </a:r>
+            <a:endParaRPr lang="de-DE" sz="3600" dirty="0"/>
+          </a:p>
+        </p:txBody>
+      </p:sp>
+      <p:sp>
+        <p:nvSpPr>
+          <p:cNvPr id="28" name="TextBox 27">
+            <a:extLst>
+              <a:ext uri="{FF2B5EF4-FFF2-40B4-BE49-F238E27FC236}">
+                <a16:creationId xmlns:a16="http://schemas.microsoft.com/office/drawing/2014/main" id="{1CC178D8-A0A0-B14A-BDC8-3E360078EAE5}"/>
+              </a:ext>
+            </a:extLst>
+          </p:cNvPr>
+          <p:cNvSpPr txBox="1"/>
+          <p:nvPr/>
+        </p:nvSpPr>
+        <p:spPr>
+          <a:xfrm>
+            <a:off x="4318566" y="5384803"/>
+            <a:ext cx="3222360" cy="782445"/>
+          </a:xfrm>
+          <a:prstGeom prst="rect">
+            <a:avLst/>
+          </a:prstGeom>
+          <a:solidFill>
+            <a:schemeClr val="tx1"/>
+          </a:solidFill>
+        </p:spPr>
+        <p:txBody>
+          <a:bodyPr wrap="none" rtlCol="0" anchor="b">
+            <a:noAutofit/>
+          </a:bodyPr>
+          <a:lstStyle/>
+          <a:p>
+            <a:r>
+              <a:rPr lang="de-DE" sz="4800" b="1" dirty="0">
+                <a:solidFill>
+                  <a:schemeClr val="bg1"/>
+                </a:solidFill>
+                <a:latin typeface="Arial" panose="020B0604020202020204" pitchFamily="34" charset="0"/>
+                <a:cs typeface="Arial" panose="020B0604020202020204" pitchFamily="34" charset="0"/>
+              </a:rPr>
+              <a:t>AI</a:t>
+            </a:r>
+          </a:p>
+        </p:txBody>
+      </p:sp>
+    </p:spTree>
+    <p:extLst>
+      <p:ext uri="{BB962C8B-B14F-4D97-AF65-F5344CB8AC3E}">
         <p14:creationId xmlns:p14="http://schemas.microsoft.com/office/powerpoint/2010/main" val="833053814"/>
       </p:ext>
     </p:extLst>
@@ -6470,7 +6682,173 @@
 </p:sld>
 </file>
 
-<file path=ppt/slides/slide19.xml><?xml version="1.0" encoding="utf-8"?>
+<file path=ppt/slides/slide2.xml><?xml version="1.0" encoding="utf-8"?>
+<p:sld xmlns:a="http://schemas.openxmlformats.org/drawingml/2006/main" xmlns:r="http://schemas.openxmlformats.org/officeDocument/2006/relationships" xmlns:p="http://schemas.openxmlformats.org/presentationml/2006/main">
+  <p:cSld>
+    <p:spTree>
+      <p:nvGrpSpPr>
+        <p:cNvPr id="1" name=""/>
+        <p:cNvGrpSpPr/>
+        <p:nvPr/>
+      </p:nvGrpSpPr>
+      <p:grpSpPr>
+        <a:xfrm>
+          <a:off x="0" y="0"/>
+          <a:ext cx="0" cy="0"/>
+          <a:chOff x="0" y="0"/>
+          <a:chExt cx="0" cy="0"/>
+        </a:xfrm>
+      </p:grpSpPr>
+      <p:sp>
+        <p:nvSpPr>
+          <p:cNvPr id="4" name="Rectangle 3">
+            <a:extLst>
+              <a:ext uri="{FF2B5EF4-FFF2-40B4-BE49-F238E27FC236}">
+                <a16:creationId xmlns:a16="http://schemas.microsoft.com/office/drawing/2014/main" id="{30ECF65E-5633-EB4A-8A9B-BBF47C9EB1A8}"/>
+              </a:ext>
+            </a:extLst>
+          </p:cNvPr>
+          <p:cNvSpPr/>
+          <p:nvPr/>
+        </p:nvSpPr>
+        <p:spPr>
+          <a:xfrm>
+            <a:off x="0" y="0"/>
+            <a:ext cx="12192000" cy="6858000"/>
+          </a:xfrm>
+          <a:prstGeom prst="rect">
+            <a:avLst/>
+          </a:prstGeom>
+          <a:gradFill flip="none" rotWithShape="1">
+            <a:gsLst>
+              <a:gs pos="10000">
+                <a:schemeClr val="bg1"/>
+              </a:gs>
+              <a:gs pos="100000">
+                <a:schemeClr val="tx1"/>
+              </a:gs>
+            </a:gsLst>
+            <a:path path="circle">
+              <a:fillToRect l="50000" t="50000" r="50000" b="50000"/>
+            </a:path>
+            <a:tileRect/>
+          </a:gradFill>
+          <a:ln>
+            <a:noFill/>
+          </a:ln>
+        </p:spPr>
+        <p:style>
+          <a:lnRef idx="2">
+            <a:schemeClr val="accent1">
+              <a:shade val="50000"/>
+            </a:schemeClr>
+          </a:lnRef>
+          <a:fillRef idx="1">
+            <a:schemeClr val="accent1"/>
+          </a:fillRef>
+          <a:effectRef idx="0">
+            <a:schemeClr val="accent1"/>
+          </a:effectRef>
+          <a:fontRef idx="minor">
+            <a:schemeClr val="lt1"/>
+          </a:fontRef>
+        </p:style>
+        <p:txBody>
+          <a:bodyPr rtlCol="0" anchor="ctr"/>
+          <a:lstStyle/>
+          <a:p>
+            <a:pPr algn="ctr"/>
+            <a:endParaRPr lang="de-DE"/>
+          </a:p>
+        </p:txBody>
+      </p:sp>
+      <p:sp>
+        <p:nvSpPr>
+          <p:cNvPr id="2" name="Title 1">
+            <a:extLst>
+              <a:ext uri="{FF2B5EF4-FFF2-40B4-BE49-F238E27FC236}">
+                <a16:creationId xmlns:a16="http://schemas.microsoft.com/office/drawing/2014/main" id="{09581E55-CB4D-604B-B505-DDA083C95510}"/>
+              </a:ext>
+            </a:extLst>
+          </p:cNvPr>
+          <p:cNvSpPr>
+            <a:spLocks noGrp="1"/>
+          </p:cNvSpPr>
+          <p:nvPr>
+            <p:ph type="ctrTitle"/>
+          </p:nvPr>
+        </p:nvSpPr>
+        <p:spPr>
+          <a:xfrm>
+            <a:off x="1524000" y="1465263"/>
+            <a:ext cx="9144000" cy="2387600"/>
+          </a:xfrm>
+        </p:spPr>
+        <p:txBody>
+          <a:bodyPr>
+            <a:normAutofit/>
+          </a:bodyPr>
+          <a:lstStyle/>
+          <a:p>
+            <a:r>
+              <a:rPr lang="de-DE" sz="8800" b="1" dirty="0" err="1">
+                <a:ln w="50800">
+                  <a:solidFill>
+                    <a:schemeClr val="tx1"/>
+                  </a:solidFill>
+                </a:ln>
+                <a:solidFill>
+                  <a:schemeClr val="bg1"/>
+                </a:solidFill>
+                <a:latin typeface="Arial" panose="020B0604020202020204" pitchFamily="34" charset="0"/>
+                <a:cs typeface="Arial" panose="020B0604020202020204" pitchFamily="34" charset="0"/>
+              </a:rPr>
+              <a:t>Hessian</a:t>
+            </a:r>
+            <a:r>
+              <a:rPr lang="de-DE" sz="8800" b="1" u="sng" dirty="0" err="1">
+                <a:ln w="50800">
+                  <a:solidFill>
+                    <a:schemeClr val="tx1"/>
+                  </a:solidFill>
+                </a:ln>
+                <a:solidFill>
+                  <a:schemeClr val="bg1"/>
+                </a:solidFill>
+                <a:latin typeface="Arial" panose="020B0604020202020204" pitchFamily="34" charset="0"/>
+                <a:cs typeface="Arial" panose="020B0604020202020204" pitchFamily="34" charset="0"/>
+              </a:rPr>
+              <a:t>AI</a:t>
+            </a:r>
+            <a:endParaRPr lang="de-DE" sz="8800" b="1" u="sng" dirty="0">
+              <a:ln w="50800">
+                <a:solidFill>
+                  <a:schemeClr val="tx1"/>
+                </a:solidFill>
+              </a:ln>
+              <a:solidFill>
+                <a:schemeClr val="bg1"/>
+              </a:solidFill>
+              <a:latin typeface="Arial" panose="020B0604020202020204" pitchFamily="34" charset="0"/>
+              <a:cs typeface="Arial" panose="020B0604020202020204" pitchFamily="34" charset="0"/>
+            </a:endParaRPr>
+          </a:p>
+        </p:txBody>
+      </p:sp>
+    </p:spTree>
+    <p:extLst>
+      <p:ext uri="{BB962C8B-B14F-4D97-AF65-F5344CB8AC3E}">
+        <p14:creationId xmlns:p14="http://schemas.microsoft.com/office/powerpoint/2010/main" val="1219248690"/>
+      </p:ext>
+    </p:extLst>
+  </p:cSld>
+  <p:clrMapOvr>
+    <a:masterClrMapping/>
+  </p:clrMapOvr>
+</p:sld>
+</file>
+
+<file path=ppt/slides/slide20.xml><?xml version="1.0" encoding="utf-8"?>
 <p:sld xmlns:a="http://schemas.openxmlformats.org/drawingml/2006/main" xmlns:r="http://schemas.openxmlformats.org/officeDocument/2006/relationships" xmlns:p="http://schemas.openxmlformats.org/presentationml/2006/main">
   <p:cSld>
     <p:spTree>
@@ -6814,258 +7192,7 @@
 </p:sld>
 </file>
 
-<file path=ppt/slides/slide2.xml><?xml version="1.0" encoding="utf-8"?>
-<p:sld xmlns:a="http://schemas.openxmlformats.org/drawingml/2006/main" xmlns:r="http://schemas.openxmlformats.org/officeDocument/2006/relationships" xmlns:p="http://schemas.openxmlformats.org/presentationml/2006/main">
-  <p:cSld>
-    <p:spTree>
-      <p:nvGrpSpPr>
-        <p:cNvPr id="1" name=""/>
-        <p:cNvGrpSpPr/>
-        <p:nvPr/>
-      </p:nvGrpSpPr>
-      <p:grpSpPr>
-        <a:xfrm>
-          <a:off x="0" y="0"/>
-          <a:ext cx="0" cy="0"/>
-          <a:chOff x="0" y="0"/>
-          <a:chExt cx="0" cy="0"/>
-        </a:xfrm>
-      </p:grpSpPr>
-      <p:grpSp>
-        <p:nvGrpSpPr>
-          <p:cNvPr id="4" name="Group 3">
-            <a:extLst>
-              <a:ext uri="{FF2B5EF4-FFF2-40B4-BE49-F238E27FC236}">
-                <a16:creationId xmlns:a16="http://schemas.microsoft.com/office/drawing/2014/main" id="{3FB0A18E-A807-3F44-985C-A0E012D2FEA6}"/>
-              </a:ext>
-            </a:extLst>
-          </p:cNvPr>
-          <p:cNvGrpSpPr/>
-          <p:nvPr/>
-        </p:nvGrpSpPr>
-        <p:grpSpPr>
-          <a:xfrm>
-            <a:off x="1468303" y="1116565"/>
-            <a:ext cx="3377522" cy="4708981"/>
-            <a:chOff x="4342132" y="1067579"/>
-            <a:chExt cx="3377522" cy="4708981"/>
-          </a:xfrm>
-        </p:grpSpPr>
-        <p:sp>
-          <p:nvSpPr>
-            <p:cNvPr id="2" name="TextBox 1">
-              <a:extLst>
-                <a:ext uri="{FF2B5EF4-FFF2-40B4-BE49-F238E27FC236}">
-                  <a16:creationId xmlns:a16="http://schemas.microsoft.com/office/drawing/2014/main" id="{9E739690-C134-1D41-9EC4-85E2AF08BE86}"/>
-                </a:ext>
-              </a:extLst>
-            </p:cNvPr>
-            <p:cNvSpPr txBox="1"/>
-            <p:nvPr/>
-          </p:nvSpPr>
-          <p:spPr>
-            <a:xfrm rot="16200000">
-              <a:off x="5971931" y="3074097"/>
-              <a:ext cx="2748091" cy="747354"/>
-            </a:xfrm>
-            <a:prstGeom prst="rect">
-              <a:avLst/>
-            </a:prstGeom>
-            <a:solidFill>
-              <a:schemeClr val="tx1"/>
-            </a:solidFill>
-          </p:spPr>
-          <p:txBody>
-            <a:bodyPr wrap="none" rtlCol="0" anchor="ctr">
-              <a:noAutofit/>
-            </a:bodyPr>
-            <a:lstStyle/>
-            <a:p>
-              <a:pPr algn="ctr"/>
-              <a:r>
-                <a:rPr lang="de-DE" sz="4800" dirty="0" err="1">
-                  <a:solidFill>
-                    <a:schemeClr val="bg1"/>
-                  </a:solidFill>
-                  <a:latin typeface="Arial" panose="020B0604020202020204" pitchFamily="34" charset="0"/>
-                  <a:cs typeface="Arial" panose="020B0604020202020204" pitchFamily="34" charset="0"/>
-                </a:rPr>
-                <a:t>Hessian</a:t>
-              </a:r>
-              <a:endParaRPr lang="de-DE" sz="4800" dirty="0">
-                <a:solidFill>
-                  <a:schemeClr val="bg1"/>
-                </a:solidFill>
-                <a:latin typeface="Arial" panose="020B0604020202020204" pitchFamily="34" charset="0"/>
-                <a:cs typeface="Arial" panose="020B0604020202020204" pitchFamily="34" charset="0"/>
-              </a:endParaRPr>
-            </a:p>
-          </p:txBody>
-        </p:sp>
-        <p:sp>
-          <p:nvSpPr>
-            <p:cNvPr id="3" name="TextBox 2">
-              <a:extLst>
-                <a:ext uri="{FF2B5EF4-FFF2-40B4-BE49-F238E27FC236}">
-                  <a16:creationId xmlns:a16="http://schemas.microsoft.com/office/drawing/2014/main" id="{8CC8BC3D-2370-1F44-9F2B-587DB6D4ECB9}"/>
-                </a:ext>
-              </a:extLst>
-            </p:cNvPr>
-            <p:cNvSpPr txBox="1"/>
-            <p:nvPr/>
-          </p:nvSpPr>
-          <p:spPr>
-            <a:xfrm>
-              <a:off x="4342132" y="1067579"/>
-              <a:ext cx="2962671" cy="4708981"/>
-            </a:xfrm>
-            <a:prstGeom prst="rect">
-              <a:avLst/>
-            </a:prstGeom>
-            <a:noFill/>
-          </p:spPr>
-          <p:txBody>
-            <a:bodyPr wrap="none" rtlCol="0">
-              <a:spAutoFit/>
-            </a:bodyPr>
-            <a:lstStyle/>
-            <a:p>
-              <a:r>
-                <a:rPr lang="de-DE" sz="30000" b="1" dirty="0">
-                  <a:latin typeface="Arial" panose="020B0604020202020204" pitchFamily="34" charset="0"/>
-                  <a:cs typeface="Arial" panose="020B0604020202020204" pitchFamily="34" charset="0"/>
-                </a:rPr>
-                <a:t>A</a:t>
-              </a:r>
-            </a:p>
-          </p:txBody>
-        </p:sp>
-      </p:grpSp>
-      <p:sp>
-        <p:nvSpPr>
-          <p:cNvPr id="5" name="TextBox 4">
-            <a:extLst>
-              <a:ext uri="{FF2B5EF4-FFF2-40B4-BE49-F238E27FC236}">
-                <a16:creationId xmlns:a16="http://schemas.microsoft.com/office/drawing/2014/main" id="{FA050A1D-7755-7B41-A1F4-C3356BE913CD}"/>
-              </a:ext>
-            </a:extLst>
-          </p:cNvPr>
-          <p:cNvSpPr txBox="1"/>
-          <p:nvPr/>
-        </p:nvSpPr>
-        <p:spPr>
-          <a:xfrm>
-            <a:off x="1468303" y="4892026"/>
-            <a:ext cx="3963777" cy="1077218"/>
-          </a:xfrm>
-          <a:prstGeom prst="rect">
-            <a:avLst/>
-          </a:prstGeom>
-          <a:noFill/>
-        </p:spPr>
-        <p:txBody>
-          <a:bodyPr wrap="none" rtlCol="0">
-            <a:spAutoFit/>
-          </a:bodyPr>
-          <a:lstStyle/>
-          <a:p>
-            <a:pPr algn="ctr"/>
-            <a:r>
-              <a:rPr lang="de-DE" sz="3200" dirty="0"/>
-              <a:t>The </a:t>
-            </a:r>
-            <a:r>
-              <a:rPr lang="de-DE" sz="3200" dirty="0" err="1"/>
-              <a:t>Hessian</a:t>
-            </a:r>
-            <a:r>
-              <a:rPr lang="de-DE" sz="3200" dirty="0"/>
-              <a:t> Center </a:t>
-            </a:r>
-            <a:r>
-              <a:rPr lang="de-DE" sz="3200" dirty="0" err="1"/>
-              <a:t>for</a:t>
-            </a:r>
-            <a:endParaRPr lang="de-DE" sz="3200" dirty="0"/>
-          </a:p>
-          <a:p>
-            <a:pPr algn="ctr"/>
-            <a:r>
-              <a:rPr lang="de-DE" sz="3200" dirty="0" err="1"/>
-              <a:t>Artificial</a:t>
-            </a:r>
-            <a:r>
-              <a:rPr lang="de-DE" sz="3200" dirty="0"/>
-              <a:t> </a:t>
-            </a:r>
-            <a:r>
-              <a:rPr lang="de-DE" sz="3200" dirty="0" err="1"/>
-              <a:t>Intelligence</a:t>
-            </a:r>
-            <a:endParaRPr lang="de-DE" sz="3200" dirty="0"/>
-          </a:p>
-        </p:txBody>
-      </p:sp>
-      <p:cxnSp>
-        <p:nvCxnSpPr>
-          <p:cNvPr id="7" name="Straight Connector 6">
-            <a:extLst>
-              <a:ext uri="{FF2B5EF4-FFF2-40B4-BE49-F238E27FC236}">
-                <a16:creationId xmlns:a16="http://schemas.microsoft.com/office/drawing/2014/main" id="{84FD8A24-DBF1-794D-BBF4-59E8CE0D01E1}"/>
-              </a:ext>
-            </a:extLst>
-          </p:cNvPr>
-          <p:cNvCxnSpPr>
-            <a:stCxn id="5" idx="1"/>
-            <a:endCxn id="5" idx="3"/>
-          </p:cNvCxnSpPr>
-          <p:nvPr/>
-        </p:nvCxnSpPr>
-        <p:spPr>
-          <a:xfrm>
-            <a:off x="1468303" y="5430635"/>
-            <a:ext cx="3963777" cy="0"/>
-          </a:xfrm>
-          <a:prstGeom prst="line">
-            <a:avLst/>
-          </a:prstGeom>
-          <a:ln>
-            <a:solidFill>
-              <a:schemeClr val="bg1">
-                <a:lumMod val="50000"/>
-              </a:schemeClr>
-            </a:solidFill>
-          </a:ln>
-        </p:spPr>
-        <p:style>
-          <a:lnRef idx="1">
-            <a:schemeClr val="accent1"/>
-          </a:lnRef>
-          <a:fillRef idx="0">
-            <a:schemeClr val="accent1"/>
-          </a:fillRef>
-          <a:effectRef idx="0">
-            <a:schemeClr val="accent1"/>
-          </a:effectRef>
-          <a:fontRef idx="minor">
-            <a:schemeClr val="tx1"/>
-          </a:fontRef>
-        </p:style>
-      </p:cxnSp>
-    </p:spTree>
-    <p:extLst>
-      <p:ext uri="{BB962C8B-B14F-4D97-AF65-F5344CB8AC3E}">
-        <p14:creationId xmlns:p14="http://schemas.microsoft.com/office/powerpoint/2010/main" val="2898944652"/>
-      </p:ext>
-    </p:extLst>
-  </p:cSld>
-  <p:clrMapOvr>
-    <a:masterClrMapping/>
-  </p:clrMapOvr>
-</p:sld>
-</file>
-
-<file path=ppt/slides/slide20.xml><?xml version="1.0" encoding="utf-8"?>
+<file path=ppt/slides/slide21.xml><?xml version="1.0" encoding="utf-8"?>
 <p:sld xmlns:a="http://schemas.openxmlformats.org/drawingml/2006/main" xmlns:r="http://schemas.openxmlformats.org/officeDocument/2006/relationships" xmlns:p="http://schemas.openxmlformats.org/presentationml/2006/main">
   <p:cSld>
     <p:spTree>
@@ -7423,7 +7550,7 @@
 </p:sld>
 </file>
 
-<file path=ppt/slides/slide21.xml><?xml version="1.0" encoding="utf-8"?>
+<file path=ppt/slides/slide22.xml><?xml version="1.0" encoding="utf-8"?>
 <p:sld xmlns:a="http://schemas.openxmlformats.org/drawingml/2006/main" xmlns:r="http://schemas.openxmlformats.org/officeDocument/2006/relationships" xmlns:p="http://schemas.openxmlformats.org/presentationml/2006/main">
   <p:cSld>
     <p:spTree>
@@ -7791,7 +7918,7 @@
 </p:sld>
 </file>
 
-<file path=ppt/slides/slide22.xml><?xml version="1.0" encoding="utf-8"?>
+<file path=ppt/slides/slide23.xml><?xml version="1.0" encoding="utf-8"?>
 <p:sld xmlns:a="http://schemas.openxmlformats.org/drawingml/2006/main" xmlns:r="http://schemas.openxmlformats.org/officeDocument/2006/relationships" xmlns:p="http://schemas.openxmlformats.org/presentationml/2006/main">
   <p:cSld>
     <p:spTree>
@@ -7999,7 +8126,7 @@
 </p:sld>
 </file>
 
-<file path=ppt/slides/slide23.xml><?xml version="1.0" encoding="utf-8"?>
+<file path=ppt/slides/slide24.xml><?xml version="1.0" encoding="utf-8"?>
 <p:sld xmlns:a="http://schemas.openxmlformats.org/drawingml/2006/main" xmlns:r="http://schemas.openxmlformats.org/officeDocument/2006/relationships" xmlns:p="http://schemas.openxmlformats.org/presentationml/2006/main">
   <p:cSld>
     <p:spTree>
@@ -8492,7 +8619,7 @@
 </p:sld>
 </file>
 
-<file path=ppt/slides/slide24.xml><?xml version="1.0" encoding="utf-8"?>
+<file path=ppt/slides/slide25.xml><?xml version="1.0" encoding="utf-8"?>
 <p:sld xmlns:a="http://schemas.openxmlformats.org/drawingml/2006/main" xmlns:r="http://schemas.openxmlformats.org/officeDocument/2006/relationships" xmlns:p="http://schemas.openxmlformats.org/presentationml/2006/main">
   <p:cSld>
     <p:spTree>
@@ -8660,7 +8787,7 @@
 </p:sld>
 </file>
 
-<file path=ppt/slides/slide25.xml><?xml version="1.0" encoding="utf-8"?>
+<file path=ppt/slides/slide26.xml><?xml version="1.0" encoding="utf-8"?>
 <p:sld xmlns:a="http://schemas.openxmlformats.org/drawingml/2006/main" xmlns:r="http://schemas.openxmlformats.org/officeDocument/2006/relationships" xmlns:p="http://schemas.openxmlformats.org/presentationml/2006/main">
   <p:cSld>
     <p:spTree>
@@ -9705,7 +9832,7 @@
 </p:sld>
 </file>
 
-<file path=ppt/slides/slide26.xml><?xml version="1.0" encoding="utf-8"?>
+<file path=ppt/slides/slide27.xml><?xml version="1.0" encoding="utf-8"?>
 <p:sld xmlns:a="http://schemas.openxmlformats.org/drawingml/2006/main" xmlns:r="http://schemas.openxmlformats.org/officeDocument/2006/relationships" xmlns:p="http://schemas.openxmlformats.org/presentationml/2006/main">
   <p:cSld>
     <p:spTree>
@@ -9782,12 +9909,122 @@
           <a:chExt cx="0" cy="0"/>
         </a:xfrm>
       </p:grpSpPr>
-      <p:sp>
-        <p:nvSpPr>
-          <p:cNvPr id="3" name="TextBox 2">
-            <a:extLst>
-              <a:ext uri="{FF2B5EF4-FFF2-40B4-BE49-F238E27FC236}">
-                <a16:creationId xmlns:a16="http://schemas.microsoft.com/office/drawing/2014/main" id="{8CC8BC3D-2370-1F44-9F2B-587DB6D4ECB9}"/>
+      <p:grpSp>
+        <p:nvGrpSpPr>
+          <p:cNvPr id="4" name="Group 3">
+            <a:extLst>
+              <a:ext uri="{FF2B5EF4-FFF2-40B4-BE49-F238E27FC236}">
+                <a16:creationId xmlns:a16="http://schemas.microsoft.com/office/drawing/2014/main" id="{3FB0A18E-A807-3F44-985C-A0E012D2FEA6}"/>
+              </a:ext>
+            </a:extLst>
+          </p:cNvPr>
+          <p:cNvGrpSpPr/>
+          <p:nvPr/>
+        </p:nvGrpSpPr>
+        <p:grpSpPr>
+          <a:xfrm>
+            <a:off x="1468303" y="1116565"/>
+            <a:ext cx="3377522" cy="4708981"/>
+            <a:chOff x="4342132" y="1067579"/>
+            <a:chExt cx="3377522" cy="4708981"/>
+          </a:xfrm>
+        </p:grpSpPr>
+        <p:sp>
+          <p:nvSpPr>
+            <p:cNvPr id="2" name="TextBox 1">
+              <a:extLst>
+                <a:ext uri="{FF2B5EF4-FFF2-40B4-BE49-F238E27FC236}">
+                  <a16:creationId xmlns:a16="http://schemas.microsoft.com/office/drawing/2014/main" id="{9E739690-C134-1D41-9EC4-85E2AF08BE86}"/>
+                </a:ext>
+              </a:extLst>
+            </p:cNvPr>
+            <p:cNvSpPr txBox="1"/>
+            <p:nvPr/>
+          </p:nvSpPr>
+          <p:spPr>
+            <a:xfrm rot="16200000">
+              <a:off x="5971931" y="3074097"/>
+              <a:ext cx="2748091" cy="747354"/>
+            </a:xfrm>
+            <a:prstGeom prst="rect">
+              <a:avLst/>
+            </a:prstGeom>
+            <a:solidFill>
+              <a:schemeClr val="tx1"/>
+            </a:solidFill>
+          </p:spPr>
+          <p:txBody>
+            <a:bodyPr wrap="none" rtlCol="0" anchor="ctr">
+              <a:noAutofit/>
+            </a:bodyPr>
+            <a:lstStyle/>
+            <a:p>
+              <a:pPr algn="ctr"/>
+              <a:r>
+                <a:rPr lang="de-DE" sz="4800" dirty="0" err="1">
+                  <a:solidFill>
+                    <a:schemeClr val="bg1"/>
+                  </a:solidFill>
+                  <a:latin typeface="Arial" panose="020B0604020202020204" pitchFamily="34" charset="0"/>
+                  <a:cs typeface="Arial" panose="020B0604020202020204" pitchFamily="34" charset="0"/>
+                </a:rPr>
+                <a:t>Hessian</a:t>
+              </a:r>
+              <a:endParaRPr lang="de-DE" sz="4800" dirty="0">
+                <a:solidFill>
+                  <a:schemeClr val="bg1"/>
+                </a:solidFill>
+                <a:latin typeface="Arial" panose="020B0604020202020204" pitchFamily="34" charset="0"/>
+                <a:cs typeface="Arial" panose="020B0604020202020204" pitchFamily="34" charset="0"/>
+              </a:endParaRPr>
+            </a:p>
+          </p:txBody>
+        </p:sp>
+        <p:sp>
+          <p:nvSpPr>
+            <p:cNvPr id="3" name="TextBox 2">
+              <a:extLst>
+                <a:ext uri="{FF2B5EF4-FFF2-40B4-BE49-F238E27FC236}">
+                  <a16:creationId xmlns:a16="http://schemas.microsoft.com/office/drawing/2014/main" id="{8CC8BC3D-2370-1F44-9F2B-587DB6D4ECB9}"/>
+                </a:ext>
+              </a:extLst>
+            </p:cNvPr>
+            <p:cNvSpPr txBox="1"/>
+            <p:nvPr/>
+          </p:nvSpPr>
+          <p:spPr>
+            <a:xfrm>
+              <a:off x="4342132" y="1067579"/>
+              <a:ext cx="2962671" cy="4708981"/>
+            </a:xfrm>
+            <a:prstGeom prst="rect">
+              <a:avLst/>
+            </a:prstGeom>
+            <a:noFill/>
+          </p:spPr>
+          <p:txBody>
+            <a:bodyPr wrap="none" rtlCol="0">
+              <a:spAutoFit/>
+            </a:bodyPr>
+            <a:lstStyle/>
+            <a:p>
+              <a:r>
+                <a:rPr lang="de-DE" sz="30000" b="1" dirty="0">
+                  <a:latin typeface="Arial" panose="020B0604020202020204" pitchFamily="34" charset="0"/>
+                  <a:cs typeface="Arial" panose="020B0604020202020204" pitchFamily="34" charset="0"/>
+                </a:rPr>
+                <a:t>A</a:t>
+              </a:r>
+            </a:p>
+          </p:txBody>
+        </p:sp>
+      </p:grpSp>
+      <p:sp>
+        <p:nvSpPr>
+          <p:cNvPr id="5" name="TextBox 4">
+            <a:extLst>
+              <a:ext uri="{FF2B5EF4-FFF2-40B4-BE49-F238E27FC236}">
+                <a16:creationId xmlns:a16="http://schemas.microsoft.com/office/drawing/2014/main" id="{FA050A1D-7755-7B41-A1F4-C3356BE913CD}"/>
               </a:ext>
             </a:extLst>
           </p:cNvPr>
@@ -9796,55 +10033,8 @@
         </p:nvSpPr>
         <p:spPr>
           <a:xfrm>
-            <a:off x="1468303" y="1116565"/>
-            <a:ext cx="4608954" cy="1477328"/>
-          </a:xfrm>
-          <a:prstGeom prst="rect">
-            <a:avLst/>
-          </a:prstGeom>
-          <a:solidFill>
-            <a:schemeClr val="bg1"/>
-          </a:solidFill>
-        </p:spPr>
-        <p:txBody>
-          <a:bodyPr wrap="none" rtlCol="0">
-            <a:spAutoFit/>
-          </a:bodyPr>
-          <a:lstStyle/>
-          <a:p>
-            <a:r>
-              <a:rPr lang="de-DE" sz="9000" b="1" dirty="0" err="1">
-                <a:latin typeface="Arial" panose="020B0604020202020204" pitchFamily="34" charset="0"/>
-                <a:cs typeface="Arial" panose="020B0604020202020204" pitchFamily="34" charset="0"/>
-              </a:rPr>
-              <a:t>Hessian</a:t>
-            </a:r>
-            <a:endParaRPr lang="de-DE" sz="9000" b="1" dirty="0">
-              <a:solidFill>
-                <a:schemeClr val="bg1"/>
-              </a:solidFill>
-              <a:latin typeface="Arial" panose="020B0604020202020204" pitchFamily="34" charset="0"/>
-              <a:cs typeface="Arial" panose="020B0604020202020204" pitchFamily="34" charset="0"/>
-            </a:endParaRPr>
-          </a:p>
-        </p:txBody>
-      </p:sp>
-      <p:sp>
-        <p:nvSpPr>
-          <p:cNvPr id="5" name="TextBox 4">
-            <a:extLst>
-              <a:ext uri="{FF2B5EF4-FFF2-40B4-BE49-F238E27FC236}">
-                <a16:creationId xmlns:a16="http://schemas.microsoft.com/office/drawing/2014/main" id="{FA050A1D-7755-7B41-A1F4-C3356BE913CD}"/>
-              </a:ext>
-            </a:extLst>
-          </p:cNvPr>
-          <p:cNvSpPr txBox="1"/>
-          <p:nvPr/>
-        </p:nvSpPr>
-        <p:spPr>
-          <a:xfrm>
-            <a:off x="1468303" y="2383971"/>
-            <a:ext cx="5849808" cy="1569660"/>
+            <a:off x="1468303" y="4892026"/>
+            <a:ext cx="3963777" cy="1077218"/>
           </a:xfrm>
           <a:prstGeom prst="rect">
             <a:avLst/>
@@ -9852,45 +10042,45 @@
           <a:noFill/>
         </p:spPr>
         <p:txBody>
-          <a:bodyPr wrap="square" rtlCol="0">
+          <a:bodyPr wrap="none" rtlCol="0">
             <a:spAutoFit/>
           </a:bodyPr>
           <a:lstStyle/>
           <a:p>
             <a:pPr algn="ctr"/>
             <a:r>
-              <a:rPr lang="de-DE" sz="4800" dirty="0"/>
+              <a:rPr lang="de-DE" sz="3200" dirty="0"/>
               <a:t>The </a:t>
             </a:r>
             <a:r>
-              <a:rPr lang="de-DE" sz="4800" dirty="0" err="1"/>
+              <a:rPr lang="de-DE" sz="3200" dirty="0" err="1"/>
               <a:t>Hessian</a:t>
             </a:r>
             <a:r>
-              <a:rPr lang="de-DE" sz="4800" dirty="0"/>
+              <a:rPr lang="de-DE" sz="3200" dirty="0"/>
               <a:t> Center </a:t>
             </a:r>
             <a:r>
-              <a:rPr lang="de-DE" sz="4800" dirty="0" err="1"/>
+              <a:rPr lang="de-DE" sz="3200" dirty="0" err="1"/>
               <a:t>for</a:t>
             </a:r>
-            <a:endParaRPr lang="de-DE" sz="4800" dirty="0"/>
+            <a:endParaRPr lang="de-DE" sz="3200" dirty="0"/>
           </a:p>
           <a:p>
             <a:pPr algn="ctr"/>
             <a:r>
-              <a:rPr lang="de-DE" sz="4800" dirty="0" err="1"/>
+              <a:rPr lang="de-DE" sz="3200" dirty="0" err="1"/>
               <a:t>Artificial</a:t>
             </a:r>
             <a:r>
-              <a:rPr lang="de-DE" sz="4800" dirty="0"/>
+              <a:rPr lang="de-DE" sz="3200" dirty="0"/>
               <a:t> </a:t>
             </a:r>
             <a:r>
-              <a:rPr lang="de-DE" sz="4800" dirty="0" err="1"/>
+              <a:rPr lang="de-DE" sz="3200" dirty="0" err="1"/>
               <a:t>Intelligence</a:t>
             </a:r>
-            <a:endParaRPr lang="de-DE" sz="4800" dirty="0"/>
+            <a:endParaRPr lang="de-DE" sz="3200" dirty="0"/>
           </a:p>
         </p:txBody>
       </p:sp>
@@ -9904,7 +10094,6 @@
             </a:extLst>
           </p:cNvPr>
           <p:cNvCxnSpPr>
-            <a:cxnSpLocks/>
             <a:stCxn id="5" idx="1"/>
             <a:endCxn id="5" idx="3"/>
           </p:cNvCxnSpPr>
@@ -9912,8 +10101,8 @@
         </p:nvCxnSpPr>
         <p:spPr>
           <a:xfrm>
-            <a:off x="1468303" y="3168801"/>
-            <a:ext cx="5849808" cy="0"/>
+            <a:off x="1468303" y="5430635"/>
+            <a:ext cx="3963777" cy="0"/>
           </a:xfrm>
           <a:prstGeom prst="line">
             <a:avLst/>
@@ -9941,53 +10130,10 @@
           </a:fontRef>
         </p:style>
       </p:cxnSp>
-      <p:sp>
-        <p:nvSpPr>
-          <p:cNvPr id="8" name="TextBox 7">
-            <a:extLst>
-              <a:ext uri="{FF2B5EF4-FFF2-40B4-BE49-F238E27FC236}">
-                <a16:creationId xmlns:a16="http://schemas.microsoft.com/office/drawing/2014/main" id="{7946D95A-D116-1741-8FA0-D23710671AC9}"/>
-              </a:ext>
-            </a:extLst>
-          </p:cNvPr>
-          <p:cNvSpPr txBox="1"/>
-          <p:nvPr/>
-        </p:nvSpPr>
-        <p:spPr>
-          <a:xfrm>
-            <a:off x="5979283" y="1328842"/>
-            <a:ext cx="1338828" cy="1055129"/>
-          </a:xfrm>
-          <a:prstGeom prst="rect">
-            <a:avLst/>
-          </a:prstGeom>
-          <a:solidFill>
-            <a:schemeClr val="tx1"/>
-          </a:solidFill>
-        </p:spPr>
-        <p:txBody>
-          <a:bodyPr wrap="none" rtlCol="0" anchor="ctr">
-            <a:noAutofit/>
-          </a:bodyPr>
-          <a:lstStyle/>
-          <a:p>
-            <a:r>
-              <a:rPr lang="de-DE" sz="9000" b="1" dirty="0">
-                <a:solidFill>
-                  <a:schemeClr val="bg1"/>
-                </a:solidFill>
-                <a:latin typeface="Arial" panose="020B0604020202020204" pitchFamily="34" charset="0"/>
-                <a:cs typeface="Arial" panose="020B0604020202020204" pitchFamily="34" charset="0"/>
-              </a:rPr>
-              <a:t>AI</a:t>
-            </a:r>
-          </a:p>
-        </p:txBody>
-      </p:sp>
     </p:spTree>
     <p:extLst>
       <p:ext uri="{BB962C8B-B14F-4D97-AF65-F5344CB8AC3E}">
-        <p14:creationId xmlns:p14="http://schemas.microsoft.com/office/powerpoint/2010/main" val="2563684322"/>
+        <p14:creationId xmlns:p14="http://schemas.microsoft.com/office/powerpoint/2010/main" val="2898944652"/>
       </p:ext>
     </p:extLst>
   </p:cSld>
@@ -10029,7 +10175,7 @@
         <p:spPr>
           <a:xfrm>
             <a:off x="1468303" y="1116565"/>
-            <a:ext cx="4480714" cy="1477328"/>
+            <a:ext cx="4608954" cy="1477328"/>
           </a:xfrm>
           <a:prstGeom prst="rect">
             <a:avLst/>
@@ -10049,7 +10195,7 @@
                 <a:latin typeface="Arial" panose="020B0604020202020204" pitchFamily="34" charset="0"/>
                 <a:cs typeface="Arial" panose="020B0604020202020204" pitchFamily="34" charset="0"/>
               </a:rPr>
-              <a:t>hessian</a:t>
+              <a:t>Hessian</a:t>
             </a:r>
             <a:endParaRPr lang="de-DE" sz="9000" b="1" dirty="0">
               <a:solidFill>
@@ -10075,7 +10221,7 @@
         </p:nvSpPr>
         <p:spPr>
           <a:xfrm>
-            <a:off x="1468303" y="3918857"/>
+            <a:off x="1468303" y="2383971"/>
             <a:ext cx="5849808" cy="1569660"/>
           </a:xfrm>
           <a:prstGeom prst="rect">
@@ -10144,7 +10290,7 @@
         </p:nvCxnSpPr>
         <p:spPr>
           <a:xfrm>
-            <a:off x="1468303" y="4703687"/>
+            <a:off x="1468303" y="3168801"/>
             <a:ext cx="5849808" cy="0"/>
           </a:xfrm>
           <a:prstGeom prst="line">
@@ -10187,7 +10333,7 @@
         </p:nvSpPr>
         <p:spPr>
           <a:xfrm>
-            <a:off x="5832326" y="1281498"/>
+            <a:off x="5979283" y="1328842"/>
             <a:ext cx="1338828" cy="1055129"/>
           </a:xfrm>
           <a:prstGeom prst="rect">
@@ -10219,7 +10365,7 @@
     </p:spTree>
     <p:extLst>
       <p:ext uri="{BB962C8B-B14F-4D97-AF65-F5344CB8AC3E}">
-        <p14:creationId xmlns:p14="http://schemas.microsoft.com/office/powerpoint/2010/main" val="487534316"/>
+        <p14:creationId xmlns:p14="http://schemas.microsoft.com/office/powerpoint/2010/main" val="2563684322"/>
       </p:ext>
     </p:extLst>
   </p:cSld>
@@ -10261,7 +10407,7 @@
         <p:spPr>
           <a:xfrm>
             <a:off x="1468303" y="1116565"/>
-            <a:ext cx="4608954" cy="1477328"/>
+            <a:ext cx="4480714" cy="1477328"/>
           </a:xfrm>
           <a:prstGeom prst="rect">
             <a:avLst/>
@@ -10281,7 +10427,7 @@
                 <a:latin typeface="Arial" panose="020B0604020202020204" pitchFamily="34" charset="0"/>
                 <a:cs typeface="Arial" panose="020B0604020202020204" pitchFamily="34" charset="0"/>
               </a:rPr>
-              <a:t>Hessian</a:t>
+              <a:t>hessian</a:t>
             </a:r>
             <a:endParaRPr lang="de-DE" sz="9000" b="1" dirty="0">
               <a:solidFill>
@@ -10295,10 +10441,10 @@
       </p:sp>
       <p:sp>
         <p:nvSpPr>
-          <p:cNvPr id="8" name="TextBox 7">
-            <a:extLst>
-              <a:ext uri="{FF2B5EF4-FFF2-40B4-BE49-F238E27FC236}">
-                <a16:creationId xmlns:a16="http://schemas.microsoft.com/office/drawing/2014/main" id="{7946D95A-D116-1741-8FA0-D23710671AC9}"/>
+          <p:cNvPr id="5" name="TextBox 4">
+            <a:extLst>
+              <a:ext uri="{FF2B5EF4-FFF2-40B4-BE49-F238E27FC236}">
+                <a16:creationId xmlns:a16="http://schemas.microsoft.com/office/drawing/2014/main" id="{FA050A1D-7755-7B41-A1F4-C3356BE913CD}"/>
               </a:ext>
             </a:extLst>
           </p:cNvPr>
@@ -10307,8 +10453,120 @@
         </p:nvSpPr>
         <p:spPr>
           <a:xfrm>
-            <a:off x="5967859" y="1116565"/>
-            <a:ext cx="2152344" cy="1816822"/>
+            <a:off x="1468303" y="3918857"/>
+            <a:ext cx="5849808" cy="1569660"/>
+          </a:xfrm>
+          <a:prstGeom prst="rect">
+            <a:avLst/>
+          </a:prstGeom>
+          <a:noFill/>
+        </p:spPr>
+        <p:txBody>
+          <a:bodyPr wrap="square" rtlCol="0">
+            <a:spAutoFit/>
+          </a:bodyPr>
+          <a:lstStyle/>
+          <a:p>
+            <a:pPr algn="ctr"/>
+            <a:r>
+              <a:rPr lang="de-DE" sz="4800" dirty="0"/>
+              <a:t>The </a:t>
+            </a:r>
+            <a:r>
+              <a:rPr lang="de-DE" sz="4800" dirty="0" err="1"/>
+              <a:t>Hessian</a:t>
+            </a:r>
+            <a:r>
+              <a:rPr lang="de-DE" sz="4800" dirty="0"/>
+              <a:t> Center </a:t>
+            </a:r>
+            <a:r>
+              <a:rPr lang="de-DE" sz="4800" dirty="0" err="1"/>
+              <a:t>for</a:t>
+            </a:r>
+            <a:endParaRPr lang="de-DE" sz="4800" dirty="0"/>
+          </a:p>
+          <a:p>
+            <a:pPr algn="ctr"/>
+            <a:r>
+              <a:rPr lang="de-DE" sz="4800" dirty="0" err="1"/>
+              <a:t>Artificial</a:t>
+            </a:r>
+            <a:r>
+              <a:rPr lang="de-DE" sz="4800" dirty="0"/>
+              <a:t> </a:t>
+            </a:r>
+            <a:r>
+              <a:rPr lang="de-DE" sz="4800" dirty="0" err="1"/>
+              <a:t>Intelligence</a:t>
+            </a:r>
+            <a:endParaRPr lang="de-DE" sz="4800" dirty="0"/>
+          </a:p>
+        </p:txBody>
+      </p:sp>
+      <p:cxnSp>
+        <p:nvCxnSpPr>
+          <p:cNvPr id="7" name="Straight Connector 6">
+            <a:extLst>
+              <a:ext uri="{FF2B5EF4-FFF2-40B4-BE49-F238E27FC236}">
+                <a16:creationId xmlns:a16="http://schemas.microsoft.com/office/drawing/2014/main" id="{84FD8A24-DBF1-794D-BBF4-59E8CE0D01E1}"/>
+              </a:ext>
+            </a:extLst>
+          </p:cNvPr>
+          <p:cNvCxnSpPr>
+            <a:cxnSpLocks/>
+            <a:stCxn id="5" idx="1"/>
+            <a:endCxn id="5" idx="3"/>
+          </p:cNvCxnSpPr>
+          <p:nvPr/>
+        </p:nvCxnSpPr>
+        <p:spPr>
+          <a:xfrm>
+            <a:off x="1468303" y="4703687"/>
+            <a:ext cx="5849808" cy="0"/>
+          </a:xfrm>
+          <a:prstGeom prst="line">
+            <a:avLst/>
+          </a:prstGeom>
+          <a:ln>
+            <a:solidFill>
+              <a:schemeClr val="bg1">
+                <a:lumMod val="50000"/>
+              </a:schemeClr>
+            </a:solidFill>
+          </a:ln>
+        </p:spPr>
+        <p:style>
+          <a:lnRef idx="1">
+            <a:schemeClr val="accent1"/>
+          </a:lnRef>
+          <a:fillRef idx="0">
+            <a:schemeClr val="accent1"/>
+          </a:fillRef>
+          <a:effectRef idx="0">
+            <a:schemeClr val="accent1"/>
+          </a:effectRef>
+          <a:fontRef idx="minor">
+            <a:schemeClr val="tx1"/>
+          </a:fontRef>
+        </p:style>
+      </p:cxnSp>
+      <p:sp>
+        <p:nvSpPr>
+          <p:cNvPr id="8" name="TextBox 7">
+            <a:extLst>
+              <a:ext uri="{FF2B5EF4-FFF2-40B4-BE49-F238E27FC236}">
+                <a16:creationId xmlns:a16="http://schemas.microsoft.com/office/drawing/2014/main" id="{7946D95A-D116-1741-8FA0-D23710671AC9}"/>
+              </a:ext>
+            </a:extLst>
+          </p:cNvPr>
+          <p:cNvSpPr txBox="1"/>
+          <p:nvPr/>
+        </p:nvSpPr>
+        <p:spPr>
+          <a:xfrm>
+            <a:off x="5832326" y="1281498"/>
+            <a:ext cx="1338828" cy="1055129"/>
           </a:xfrm>
           <a:prstGeom prst="rect">
             <a:avLst/>
@@ -10324,7 +10582,7 @@
           <a:lstStyle/>
           <a:p>
             <a:r>
-              <a:rPr lang="de-DE" sz="13800" b="1" dirty="0">
+              <a:rPr lang="de-DE" sz="9000" b="1" dirty="0">
                 <a:solidFill>
                   <a:schemeClr val="bg1"/>
                 </a:solidFill>
@@ -10336,109 +10594,10 @@
           </a:p>
         </p:txBody>
       </p:sp>
-      <p:sp>
-        <p:nvSpPr>
-          <p:cNvPr id="9" name="TextBox 8">
-            <a:extLst>
-              <a:ext uri="{FF2B5EF4-FFF2-40B4-BE49-F238E27FC236}">
-                <a16:creationId xmlns:a16="http://schemas.microsoft.com/office/drawing/2014/main" id="{6A943186-B264-C243-A2EC-4E2146ADB6AC}"/>
-              </a:ext>
-            </a:extLst>
-          </p:cNvPr>
-          <p:cNvSpPr txBox="1"/>
-          <p:nvPr/>
-        </p:nvSpPr>
-        <p:spPr>
-          <a:xfrm>
-            <a:off x="4886420" y="1024587"/>
-            <a:ext cx="1089840" cy="707886"/>
-          </a:xfrm>
-          <a:prstGeom prst="rect">
-            <a:avLst/>
-          </a:prstGeom>
-          <a:noFill/>
-        </p:spPr>
-        <p:txBody>
-          <a:bodyPr wrap="square" rtlCol="0">
-            <a:spAutoFit/>
-          </a:bodyPr>
-          <a:lstStyle/>
-          <a:p>
-            <a:r>
-              <a:rPr lang="de-DE" sz="4000" dirty="0">
-                <a:latin typeface="Arial" panose="020B0604020202020204" pitchFamily="34" charset="0"/>
-                <a:cs typeface="Arial" panose="020B0604020202020204" pitchFamily="34" charset="0"/>
-              </a:rPr>
-              <a:t>The</a:t>
-            </a:r>
-          </a:p>
-        </p:txBody>
-      </p:sp>
-      <p:sp>
-        <p:nvSpPr>
-          <p:cNvPr id="10" name="TextBox 9">
-            <a:extLst>
-              <a:ext uri="{FF2B5EF4-FFF2-40B4-BE49-F238E27FC236}">
-                <a16:creationId xmlns:a16="http://schemas.microsoft.com/office/drawing/2014/main" id="{539BC520-BD81-B740-B4AE-8E4A66068740}"/>
-              </a:ext>
-            </a:extLst>
-          </p:cNvPr>
-          <p:cNvSpPr txBox="1"/>
-          <p:nvPr/>
-        </p:nvSpPr>
-        <p:spPr>
-          <a:xfrm>
-            <a:off x="1632858" y="2225501"/>
-            <a:ext cx="4335002" cy="707886"/>
-          </a:xfrm>
-          <a:prstGeom prst="rect">
-            <a:avLst/>
-          </a:prstGeom>
-          <a:solidFill>
-            <a:schemeClr val="tx1"/>
-          </a:solidFill>
-        </p:spPr>
-        <p:txBody>
-          <a:bodyPr wrap="square" rtlCol="0">
-            <a:spAutoFit/>
-          </a:bodyPr>
-          <a:lstStyle/>
-          <a:p>
-            <a:pPr algn="r"/>
-            <a:r>
-              <a:rPr lang="de-DE" sz="4000" dirty="0">
-                <a:solidFill>
-                  <a:schemeClr val="bg1"/>
-                </a:solidFill>
-                <a:latin typeface="Arial" panose="020B0604020202020204" pitchFamily="34" charset="0"/>
-                <a:cs typeface="Arial" panose="020B0604020202020204" pitchFamily="34" charset="0"/>
-              </a:rPr>
-              <a:t>Center </a:t>
-            </a:r>
-            <a:r>
-              <a:rPr lang="de-DE" sz="4000" dirty="0" err="1">
-                <a:solidFill>
-                  <a:schemeClr val="bg1"/>
-                </a:solidFill>
-                <a:latin typeface="Arial" panose="020B0604020202020204" pitchFamily="34" charset="0"/>
-                <a:cs typeface="Arial" panose="020B0604020202020204" pitchFamily="34" charset="0"/>
-              </a:rPr>
-              <a:t>for</a:t>
-            </a:r>
-            <a:endParaRPr lang="de-DE" sz="4000" dirty="0">
-              <a:solidFill>
-                <a:schemeClr val="bg1"/>
-              </a:solidFill>
-              <a:latin typeface="Arial" panose="020B0604020202020204" pitchFamily="34" charset="0"/>
-              <a:cs typeface="Arial" panose="020B0604020202020204" pitchFamily="34" charset="0"/>
-            </a:endParaRPr>
-          </a:p>
-        </p:txBody>
-      </p:sp>
     </p:spTree>
     <p:extLst>
       <p:ext uri="{BB962C8B-B14F-4D97-AF65-F5344CB8AC3E}">
-        <p14:creationId xmlns:p14="http://schemas.microsoft.com/office/powerpoint/2010/main" val="1488865327"/>
+        <p14:creationId xmlns:p14="http://schemas.microsoft.com/office/powerpoint/2010/main" val="487534316"/>
       </p:ext>
     </p:extLst>
   </p:cSld>
@@ -10479,6 +10638,225 @@
         </p:nvSpPr>
         <p:spPr>
           <a:xfrm>
+            <a:off x="1468303" y="1116565"/>
+            <a:ext cx="4608954" cy="1477328"/>
+          </a:xfrm>
+          <a:prstGeom prst="rect">
+            <a:avLst/>
+          </a:prstGeom>
+          <a:solidFill>
+            <a:schemeClr val="bg1"/>
+          </a:solidFill>
+        </p:spPr>
+        <p:txBody>
+          <a:bodyPr wrap="none" rtlCol="0">
+            <a:spAutoFit/>
+          </a:bodyPr>
+          <a:lstStyle/>
+          <a:p>
+            <a:r>
+              <a:rPr lang="de-DE" sz="9000" b="1" dirty="0" err="1">
+                <a:latin typeface="Arial" panose="020B0604020202020204" pitchFamily="34" charset="0"/>
+                <a:cs typeface="Arial" panose="020B0604020202020204" pitchFamily="34" charset="0"/>
+              </a:rPr>
+              <a:t>Hessian</a:t>
+            </a:r>
+            <a:endParaRPr lang="de-DE" sz="9000" b="1" dirty="0">
+              <a:solidFill>
+                <a:schemeClr val="bg1"/>
+              </a:solidFill>
+              <a:latin typeface="Arial" panose="020B0604020202020204" pitchFamily="34" charset="0"/>
+              <a:cs typeface="Arial" panose="020B0604020202020204" pitchFamily="34" charset="0"/>
+            </a:endParaRPr>
+          </a:p>
+        </p:txBody>
+      </p:sp>
+      <p:sp>
+        <p:nvSpPr>
+          <p:cNvPr id="8" name="TextBox 7">
+            <a:extLst>
+              <a:ext uri="{FF2B5EF4-FFF2-40B4-BE49-F238E27FC236}">
+                <a16:creationId xmlns:a16="http://schemas.microsoft.com/office/drawing/2014/main" id="{7946D95A-D116-1741-8FA0-D23710671AC9}"/>
+              </a:ext>
+            </a:extLst>
+          </p:cNvPr>
+          <p:cNvSpPr txBox="1"/>
+          <p:nvPr/>
+        </p:nvSpPr>
+        <p:spPr>
+          <a:xfrm>
+            <a:off x="5967859" y="1116565"/>
+            <a:ext cx="2152344" cy="1816822"/>
+          </a:xfrm>
+          <a:prstGeom prst="rect">
+            <a:avLst/>
+          </a:prstGeom>
+          <a:solidFill>
+            <a:schemeClr val="tx1"/>
+          </a:solidFill>
+        </p:spPr>
+        <p:txBody>
+          <a:bodyPr wrap="none" rtlCol="0" anchor="ctr">
+            <a:noAutofit/>
+          </a:bodyPr>
+          <a:lstStyle/>
+          <a:p>
+            <a:r>
+              <a:rPr lang="de-DE" sz="13800" b="1" dirty="0">
+                <a:solidFill>
+                  <a:schemeClr val="bg1"/>
+                </a:solidFill>
+                <a:latin typeface="Arial" panose="020B0604020202020204" pitchFamily="34" charset="0"/>
+                <a:cs typeface="Arial" panose="020B0604020202020204" pitchFamily="34" charset="0"/>
+              </a:rPr>
+              <a:t>AI</a:t>
+            </a:r>
+          </a:p>
+        </p:txBody>
+      </p:sp>
+      <p:sp>
+        <p:nvSpPr>
+          <p:cNvPr id="9" name="TextBox 8">
+            <a:extLst>
+              <a:ext uri="{FF2B5EF4-FFF2-40B4-BE49-F238E27FC236}">
+                <a16:creationId xmlns:a16="http://schemas.microsoft.com/office/drawing/2014/main" id="{6A943186-B264-C243-A2EC-4E2146ADB6AC}"/>
+              </a:ext>
+            </a:extLst>
+          </p:cNvPr>
+          <p:cNvSpPr txBox="1"/>
+          <p:nvPr/>
+        </p:nvSpPr>
+        <p:spPr>
+          <a:xfrm>
+            <a:off x="4886420" y="1024587"/>
+            <a:ext cx="1089840" cy="707886"/>
+          </a:xfrm>
+          <a:prstGeom prst="rect">
+            <a:avLst/>
+          </a:prstGeom>
+          <a:noFill/>
+        </p:spPr>
+        <p:txBody>
+          <a:bodyPr wrap="square" rtlCol="0">
+            <a:spAutoFit/>
+          </a:bodyPr>
+          <a:lstStyle/>
+          <a:p>
+            <a:r>
+              <a:rPr lang="de-DE" sz="4000" dirty="0">
+                <a:latin typeface="Arial" panose="020B0604020202020204" pitchFamily="34" charset="0"/>
+                <a:cs typeface="Arial" panose="020B0604020202020204" pitchFamily="34" charset="0"/>
+              </a:rPr>
+              <a:t>The</a:t>
+            </a:r>
+          </a:p>
+        </p:txBody>
+      </p:sp>
+      <p:sp>
+        <p:nvSpPr>
+          <p:cNvPr id="10" name="TextBox 9">
+            <a:extLst>
+              <a:ext uri="{FF2B5EF4-FFF2-40B4-BE49-F238E27FC236}">
+                <a16:creationId xmlns:a16="http://schemas.microsoft.com/office/drawing/2014/main" id="{539BC520-BD81-B740-B4AE-8E4A66068740}"/>
+              </a:ext>
+            </a:extLst>
+          </p:cNvPr>
+          <p:cNvSpPr txBox="1"/>
+          <p:nvPr/>
+        </p:nvSpPr>
+        <p:spPr>
+          <a:xfrm>
+            <a:off x="1632858" y="2225501"/>
+            <a:ext cx="4335002" cy="707886"/>
+          </a:xfrm>
+          <a:prstGeom prst="rect">
+            <a:avLst/>
+          </a:prstGeom>
+          <a:solidFill>
+            <a:schemeClr val="tx1"/>
+          </a:solidFill>
+        </p:spPr>
+        <p:txBody>
+          <a:bodyPr wrap="square" rtlCol="0">
+            <a:spAutoFit/>
+          </a:bodyPr>
+          <a:lstStyle/>
+          <a:p>
+            <a:pPr algn="r"/>
+            <a:r>
+              <a:rPr lang="de-DE" sz="4000" dirty="0">
+                <a:solidFill>
+                  <a:schemeClr val="bg1"/>
+                </a:solidFill>
+                <a:latin typeface="Arial" panose="020B0604020202020204" pitchFamily="34" charset="0"/>
+                <a:cs typeface="Arial" panose="020B0604020202020204" pitchFamily="34" charset="0"/>
+              </a:rPr>
+              <a:t>Center </a:t>
+            </a:r>
+            <a:r>
+              <a:rPr lang="de-DE" sz="4000" dirty="0" err="1">
+                <a:solidFill>
+                  <a:schemeClr val="bg1"/>
+                </a:solidFill>
+                <a:latin typeface="Arial" panose="020B0604020202020204" pitchFamily="34" charset="0"/>
+                <a:cs typeface="Arial" panose="020B0604020202020204" pitchFamily="34" charset="0"/>
+              </a:rPr>
+              <a:t>for</a:t>
+            </a:r>
+            <a:endParaRPr lang="de-DE" sz="4000" dirty="0">
+              <a:solidFill>
+                <a:schemeClr val="bg1"/>
+              </a:solidFill>
+              <a:latin typeface="Arial" panose="020B0604020202020204" pitchFamily="34" charset="0"/>
+              <a:cs typeface="Arial" panose="020B0604020202020204" pitchFamily="34" charset="0"/>
+            </a:endParaRPr>
+          </a:p>
+        </p:txBody>
+      </p:sp>
+    </p:spTree>
+    <p:extLst>
+      <p:ext uri="{BB962C8B-B14F-4D97-AF65-F5344CB8AC3E}">
+        <p14:creationId xmlns:p14="http://schemas.microsoft.com/office/powerpoint/2010/main" val="1488865327"/>
+      </p:ext>
+    </p:extLst>
+  </p:cSld>
+  <p:clrMapOvr>
+    <a:masterClrMapping/>
+  </p:clrMapOvr>
+</p:sld>
+</file>
+
+<file path=ppt/slides/slide7.xml><?xml version="1.0" encoding="utf-8"?>
+<p:sld xmlns:a="http://schemas.openxmlformats.org/drawingml/2006/main" xmlns:r="http://schemas.openxmlformats.org/officeDocument/2006/relationships" xmlns:p="http://schemas.openxmlformats.org/presentationml/2006/main">
+  <p:cSld>
+    <p:spTree>
+      <p:nvGrpSpPr>
+        <p:cNvPr id="1" name=""/>
+        <p:cNvGrpSpPr/>
+        <p:nvPr/>
+      </p:nvGrpSpPr>
+      <p:grpSpPr>
+        <a:xfrm>
+          <a:off x="0" y="0"/>
+          <a:ext cx="0" cy="0"/>
+          <a:chOff x="0" y="0"/>
+          <a:chExt cx="0" cy="0"/>
+        </a:xfrm>
+      </p:grpSpPr>
+      <p:sp>
+        <p:nvSpPr>
+          <p:cNvPr id="3" name="TextBox 2">
+            <a:extLst>
+              <a:ext uri="{FF2B5EF4-FFF2-40B4-BE49-F238E27FC236}">
+                <a16:creationId xmlns:a16="http://schemas.microsoft.com/office/drawing/2014/main" id="{8CC8BC3D-2370-1F44-9F2B-587DB6D4ECB9}"/>
+              </a:ext>
+            </a:extLst>
+          </p:cNvPr>
+          <p:cNvSpPr txBox="1"/>
+          <p:nvPr/>
+        </p:nvSpPr>
+        <p:spPr>
+          <a:xfrm>
             <a:off x="181981" y="1341056"/>
             <a:ext cx="5843266" cy="1862048"/>
           </a:xfrm>
@@ -10656,7 +11034,7 @@
 </p:sld>
 </file>
 
-<file path=ppt/slides/slide7.xml><?xml version="1.0" encoding="utf-8"?>
+<file path=ppt/slides/slide8.xml><?xml version="1.0" encoding="utf-8"?>
 <p:sld xmlns:a="http://schemas.openxmlformats.org/drawingml/2006/main" xmlns:r="http://schemas.openxmlformats.org/officeDocument/2006/relationships" xmlns:p="http://schemas.openxmlformats.org/presentationml/2006/main">
   <p:cSld>
     <p:spTree>
@@ -10937,176 +11315,6 @@
 </p:sld>
 </file>
 
-<file path=ppt/slides/slide8.xml><?xml version="1.0" encoding="utf-8"?>
-<p:sld xmlns:a="http://schemas.openxmlformats.org/drawingml/2006/main" xmlns:r="http://schemas.openxmlformats.org/officeDocument/2006/relationships" xmlns:p="http://schemas.openxmlformats.org/presentationml/2006/main">
-  <p:cSld>
-    <p:spTree>
-      <p:nvGrpSpPr>
-        <p:cNvPr id="1" name=""/>
-        <p:cNvGrpSpPr/>
-        <p:nvPr/>
-      </p:nvGrpSpPr>
-      <p:grpSpPr>
-        <a:xfrm>
-          <a:off x="0" y="0"/>
-          <a:ext cx="0" cy="0"/>
-          <a:chOff x="0" y="0"/>
-          <a:chExt cx="0" cy="0"/>
-        </a:xfrm>
-      </p:grpSpPr>
-      <p:sp>
-        <p:nvSpPr>
-          <p:cNvPr id="3" name="TextBox 2">
-            <a:extLst>
-              <a:ext uri="{FF2B5EF4-FFF2-40B4-BE49-F238E27FC236}">
-                <a16:creationId xmlns:a16="http://schemas.microsoft.com/office/drawing/2014/main" id="{8CC8BC3D-2370-1F44-9F2B-587DB6D4ECB9}"/>
-              </a:ext>
-            </a:extLst>
-          </p:cNvPr>
-          <p:cNvSpPr txBox="1"/>
-          <p:nvPr/>
-        </p:nvSpPr>
-        <p:spPr>
-          <a:xfrm rot="2491988">
-            <a:off x="3711613" y="2526812"/>
-            <a:ext cx="971741" cy="830997"/>
-          </a:xfrm>
-          <a:prstGeom prst="rect">
-            <a:avLst/>
-          </a:prstGeom>
-          <a:noFill/>
-        </p:spPr>
-        <p:txBody>
-          <a:bodyPr wrap="none" rtlCol="0">
-            <a:spAutoFit/>
-          </a:bodyPr>
-          <a:lstStyle/>
-          <a:p>
-            <a:r>
-              <a:rPr lang="de-DE" sz="4800" dirty="0">
-                <a:latin typeface="Arial" panose="020B0604020202020204" pitchFamily="34" charset="0"/>
-                <a:ea typeface="Apple Color Emoji" pitchFamily="2" charset="0"/>
-                <a:cs typeface="Arial" panose="020B0604020202020204" pitchFamily="34" charset="0"/>
-              </a:rPr>
-              <a:t>[H]</a:t>
-            </a:r>
-            <a:endParaRPr lang="de-DE" sz="4800" dirty="0">
-              <a:solidFill>
-                <a:schemeClr val="bg1"/>
-              </a:solidFill>
-              <a:latin typeface="Arial" panose="020B0604020202020204" pitchFamily="34" charset="0"/>
-              <a:ea typeface="Cambria Math" panose="02040503050406030204" pitchFamily="18" charset="0"/>
-              <a:cs typeface="Arial" panose="020B0604020202020204" pitchFamily="34" charset="0"/>
-            </a:endParaRPr>
-          </a:p>
-        </p:txBody>
-      </p:sp>
-      <p:sp>
-        <p:nvSpPr>
-          <p:cNvPr id="6" name="Rounded Rectangle 5">
-            <a:extLst>
-              <a:ext uri="{FF2B5EF4-FFF2-40B4-BE49-F238E27FC236}">
-                <a16:creationId xmlns:a16="http://schemas.microsoft.com/office/drawing/2014/main" id="{C2807528-3047-5244-A871-2DA4E090C89F}"/>
-              </a:ext>
-            </a:extLst>
-          </p:cNvPr>
-          <p:cNvSpPr/>
-          <p:nvPr/>
-        </p:nvSpPr>
-        <p:spPr>
-          <a:xfrm rot="2491183">
-            <a:off x="6057900" y="2157484"/>
-            <a:ext cx="914400" cy="914400"/>
-          </a:xfrm>
-          <a:prstGeom prst="roundRect">
-            <a:avLst/>
-          </a:prstGeom>
-        </p:spPr>
-        <p:style>
-          <a:lnRef idx="2">
-            <a:schemeClr val="accent1">
-              <a:shade val="50000"/>
-            </a:schemeClr>
-          </a:lnRef>
-          <a:fillRef idx="1">
-            <a:schemeClr val="accent1"/>
-          </a:fillRef>
-          <a:effectRef idx="0">
-            <a:schemeClr val="accent1"/>
-          </a:effectRef>
-          <a:fontRef idx="minor">
-            <a:schemeClr val="lt1"/>
-          </a:fontRef>
-        </p:style>
-        <p:txBody>
-          <a:bodyPr rtlCol="0" anchor="ctr"/>
-          <a:lstStyle/>
-          <a:p>
-            <a:pPr algn="ctr"/>
-            <a:endParaRPr lang="de-DE"/>
-          </a:p>
-        </p:txBody>
-      </p:sp>
-      <p:sp>
-        <p:nvSpPr>
-          <p:cNvPr id="11" name="TextBox 10">
-            <a:extLst>
-              <a:ext uri="{FF2B5EF4-FFF2-40B4-BE49-F238E27FC236}">
-                <a16:creationId xmlns:a16="http://schemas.microsoft.com/office/drawing/2014/main" id="{5D102111-B052-E84A-BE61-1FE45DE20522}"/>
-              </a:ext>
-            </a:extLst>
-          </p:cNvPr>
-          <p:cNvSpPr txBox="1"/>
-          <p:nvPr/>
-        </p:nvSpPr>
-        <p:spPr>
-          <a:xfrm>
-            <a:off x="2685696" y="4318298"/>
-            <a:ext cx="3126177" cy="1569660"/>
-          </a:xfrm>
-          <a:prstGeom prst="rect">
-            <a:avLst/>
-          </a:prstGeom>
-          <a:noFill/>
-        </p:spPr>
-        <p:txBody>
-          <a:bodyPr wrap="none" rtlCol="0">
-            <a:spAutoFit/>
-          </a:bodyPr>
-          <a:lstStyle/>
-          <a:p>
-            <a:r>
-              <a:rPr lang="de-DE" sz="9600" b="1" dirty="0">
-                <a:latin typeface="Arial" panose="020B0604020202020204" pitchFamily="34" charset="0"/>
-                <a:ea typeface="Apple Color Emoji" pitchFamily="2" charset="0"/>
-                <a:cs typeface="Arial" panose="020B0604020202020204" pitchFamily="34" charset="0"/>
-              </a:rPr>
-              <a:t>H(AI)</a:t>
-            </a:r>
-            <a:endParaRPr lang="de-DE" sz="9600" b="1" dirty="0">
-              <a:solidFill>
-                <a:schemeClr val="bg1"/>
-              </a:solidFill>
-              <a:latin typeface="Arial" panose="020B0604020202020204" pitchFamily="34" charset="0"/>
-              <a:ea typeface="Cambria Math" panose="02040503050406030204" pitchFamily="18" charset="0"/>
-              <a:cs typeface="Arial" panose="020B0604020202020204" pitchFamily="34" charset="0"/>
-            </a:endParaRPr>
-          </a:p>
-        </p:txBody>
-      </p:sp>
-    </p:spTree>
-    <p:extLst>
-      <p:ext uri="{BB962C8B-B14F-4D97-AF65-F5344CB8AC3E}">
-        <p14:creationId xmlns:p14="http://schemas.microsoft.com/office/powerpoint/2010/main" val="312044397"/>
-      </p:ext>
-    </p:extLst>
-  </p:cSld>
-  <p:clrMapOvr>
-    <a:masterClrMapping/>
-  </p:clrMapOvr>
-</p:sld>
-</file>
-
 <file path=ppt/slides/slide9.xml><?xml version="1.0" encoding="utf-8"?>
 <p:sld xmlns:a="http://schemas.openxmlformats.org/drawingml/2006/main" xmlns:r="http://schemas.openxmlformats.org/officeDocument/2006/relationships" xmlns:p="http://schemas.openxmlformats.org/presentationml/2006/main">
   <p:cSld>
@@ -11126,30 +11334,71 @@
       </p:grpSpPr>
       <p:sp>
         <p:nvSpPr>
-          <p:cNvPr id="4" name="Rectangle 3">
-            <a:extLst>
-              <a:ext uri="{FF2B5EF4-FFF2-40B4-BE49-F238E27FC236}">
-                <a16:creationId xmlns:a16="http://schemas.microsoft.com/office/drawing/2014/main" id="{0DA2E764-840D-F74B-AB65-AB54195FFEC8}"/>
-              </a:ext>
-            </a:extLst>
-          </p:cNvPr>
-          <p:cNvSpPr/>
+          <p:cNvPr id="3" name="TextBox 2">
+            <a:extLst>
+              <a:ext uri="{FF2B5EF4-FFF2-40B4-BE49-F238E27FC236}">
+                <a16:creationId xmlns:a16="http://schemas.microsoft.com/office/drawing/2014/main" id="{8CC8BC3D-2370-1F44-9F2B-587DB6D4ECB9}"/>
+              </a:ext>
+            </a:extLst>
+          </p:cNvPr>
+          <p:cNvSpPr txBox="1"/>
           <p:nvPr/>
         </p:nvSpPr>
         <p:spPr>
-          <a:xfrm>
-            <a:off x="1649186" y="2409049"/>
-            <a:ext cx="7854043" cy="1636560"/>
+          <a:xfrm rot="2491988">
+            <a:off x="3711613" y="2526812"/>
+            <a:ext cx="971741" cy="830997"/>
           </a:xfrm>
           <a:prstGeom prst="rect">
             <a:avLst/>
           </a:prstGeom>
-          <a:solidFill>
-            <a:schemeClr val="bg1"/>
-          </a:solidFill>
-          <a:ln>
-            <a:noFill/>
-          </a:ln>
+          <a:noFill/>
+        </p:spPr>
+        <p:txBody>
+          <a:bodyPr wrap="none" rtlCol="0">
+            <a:spAutoFit/>
+          </a:bodyPr>
+          <a:lstStyle/>
+          <a:p>
+            <a:r>
+              <a:rPr lang="de-DE" sz="4800" dirty="0">
+                <a:latin typeface="Arial" panose="020B0604020202020204" pitchFamily="34" charset="0"/>
+                <a:ea typeface="Apple Color Emoji" pitchFamily="2" charset="0"/>
+                <a:cs typeface="Arial" panose="020B0604020202020204" pitchFamily="34" charset="0"/>
+              </a:rPr>
+              <a:t>[H]</a:t>
+            </a:r>
+            <a:endParaRPr lang="de-DE" sz="4800" dirty="0">
+              <a:solidFill>
+                <a:schemeClr val="bg1"/>
+              </a:solidFill>
+              <a:latin typeface="Arial" panose="020B0604020202020204" pitchFamily="34" charset="0"/>
+              <a:ea typeface="Cambria Math" panose="02040503050406030204" pitchFamily="18" charset="0"/>
+              <a:cs typeface="Arial" panose="020B0604020202020204" pitchFamily="34" charset="0"/>
+            </a:endParaRPr>
+          </a:p>
+        </p:txBody>
+      </p:sp>
+      <p:sp>
+        <p:nvSpPr>
+          <p:cNvPr id="6" name="Rounded Rectangle 5">
+            <a:extLst>
+              <a:ext uri="{FF2B5EF4-FFF2-40B4-BE49-F238E27FC236}">
+                <a16:creationId xmlns:a16="http://schemas.microsoft.com/office/drawing/2014/main" id="{C2807528-3047-5244-A871-2DA4E090C89F}"/>
+              </a:ext>
+            </a:extLst>
+          </p:cNvPr>
+          <p:cNvSpPr/>
+          <p:nvPr/>
+        </p:nvSpPr>
+        <p:spPr>
+          <a:xfrm rot="2491183">
+            <a:off x="6057900" y="2157484"/>
+            <a:ext cx="914400" cy="914400"/>
+          </a:xfrm>
+          <a:prstGeom prst="roundRect">
+            <a:avLst/>
+          </a:prstGeom>
         </p:spPr>
         <p:style>
           <a:lnRef idx="2">
@@ -11178,165 +11427,55 @@
       </p:sp>
       <p:sp>
         <p:nvSpPr>
-          <p:cNvPr id="5" name="Rectangle 4">
-            <a:extLst>
-              <a:ext uri="{FF2B5EF4-FFF2-40B4-BE49-F238E27FC236}">
-                <a16:creationId xmlns:a16="http://schemas.microsoft.com/office/drawing/2014/main" id="{5F54E40D-7B95-6C47-BFCA-AF17E60320B4}"/>
-              </a:ext>
-            </a:extLst>
-          </p:cNvPr>
-          <p:cNvSpPr/>
+          <p:cNvPr id="11" name="TextBox 10">
+            <a:extLst>
+              <a:ext uri="{FF2B5EF4-FFF2-40B4-BE49-F238E27FC236}">
+                <a16:creationId xmlns:a16="http://schemas.microsoft.com/office/drawing/2014/main" id="{5D102111-B052-E84A-BE61-1FE45DE20522}"/>
+              </a:ext>
+            </a:extLst>
+          </p:cNvPr>
+          <p:cNvSpPr txBox="1"/>
           <p:nvPr/>
         </p:nvSpPr>
         <p:spPr>
           <a:xfrm>
-            <a:off x="7429500" y="1551213"/>
-            <a:ext cx="2073729" cy="2077865"/>
+            <a:off x="2685696" y="4318298"/>
+            <a:ext cx="3126177" cy="1569660"/>
           </a:xfrm>
           <a:prstGeom prst="rect">
             <a:avLst/>
           </a:prstGeom>
-          <a:solidFill>
-            <a:schemeClr val="tx1"/>
-          </a:solidFill>
-          <a:ln>
-            <a:noFill/>
-          </a:ln>
-        </p:spPr>
-        <p:style>
-          <a:lnRef idx="2">
-            <a:schemeClr val="accent1">
-              <a:shade val="50000"/>
-            </a:schemeClr>
-          </a:lnRef>
-          <a:fillRef idx="1">
-            <a:schemeClr val="accent1"/>
-          </a:fillRef>
-          <a:effectRef idx="0">
-            <a:schemeClr val="accent1"/>
-          </a:effectRef>
-          <a:fontRef idx="minor">
-            <a:schemeClr val="lt1"/>
-          </a:fontRef>
-        </p:style>
-        <p:txBody>
-          <a:bodyPr rtlCol="0" anchor="ctr"/>
-          <a:lstStyle/>
-          <a:p>
-            <a:pPr algn="ctr"/>
-            <a:endParaRPr lang="de-DE"/>
-          </a:p>
-        </p:txBody>
-      </p:sp>
-      <p:grpSp>
-        <p:nvGrpSpPr>
-          <p:cNvPr id="2" name="Group 1">
-            <a:extLst>
-              <a:ext uri="{FF2B5EF4-FFF2-40B4-BE49-F238E27FC236}">
-                <a16:creationId xmlns:a16="http://schemas.microsoft.com/office/drawing/2014/main" id="{09BB5871-8A05-D340-BA7A-789B4BA5212A}"/>
-              </a:ext>
-            </a:extLst>
-          </p:cNvPr>
-          <p:cNvGrpSpPr/>
-          <p:nvPr/>
-        </p:nvGrpSpPr>
-        <p:grpSpPr>
-          <a:xfrm>
-            <a:off x="1880153" y="2157484"/>
-            <a:ext cx="9377355" cy="1862048"/>
-            <a:chOff x="181981" y="1341056"/>
-            <a:chExt cx="9377355" cy="1862048"/>
-          </a:xfrm>
-        </p:grpSpPr>
-        <p:sp>
-          <p:nvSpPr>
-            <p:cNvPr id="3" name="TextBox 2">
-              <a:extLst>
-                <a:ext uri="{FF2B5EF4-FFF2-40B4-BE49-F238E27FC236}">
-                  <a16:creationId xmlns:a16="http://schemas.microsoft.com/office/drawing/2014/main" id="{8CC8BC3D-2370-1F44-9F2B-587DB6D4ECB9}"/>
-                </a:ext>
-              </a:extLst>
-            </p:cNvPr>
-            <p:cNvSpPr txBox="1"/>
-            <p:nvPr/>
-          </p:nvSpPr>
-          <p:spPr>
-            <a:xfrm>
-              <a:off x="181981" y="1341056"/>
-              <a:ext cx="5679760" cy="1862048"/>
-            </a:xfrm>
-            <a:prstGeom prst="rect">
-              <a:avLst/>
-            </a:prstGeom>
-            <a:noFill/>
-          </p:spPr>
-          <p:txBody>
-            <a:bodyPr wrap="none" rtlCol="0">
-              <a:spAutoFit/>
-            </a:bodyPr>
-            <a:lstStyle/>
-            <a:p>
-              <a:r>
-                <a:rPr lang="de-DE" sz="11500" b="1" dirty="0" err="1">
-                  <a:latin typeface="Arial" panose="020B0604020202020204" pitchFamily="34" charset="0"/>
-                  <a:cs typeface="Arial" panose="020B0604020202020204" pitchFamily="34" charset="0"/>
-                </a:rPr>
-                <a:t>hessian</a:t>
-              </a:r>
-              <a:endParaRPr lang="de-DE" sz="11500" b="1" dirty="0">
-                <a:solidFill>
-                  <a:schemeClr val="bg1"/>
-                </a:solidFill>
+          <a:noFill/>
+        </p:spPr>
+        <p:txBody>
+          <a:bodyPr wrap="none" rtlCol="0">
+            <a:spAutoFit/>
+          </a:bodyPr>
+          <a:lstStyle/>
+          <a:p>
+            <a:r>
+              <a:rPr lang="de-DE" sz="9600" b="1" dirty="0">
                 <a:latin typeface="Arial" panose="020B0604020202020204" pitchFamily="34" charset="0"/>
+                <a:ea typeface="Apple Color Emoji" pitchFamily="2" charset="0"/>
                 <a:cs typeface="Arial" panose="020B0604020202020204" pitchFamily="34" charset="0"/>
-              </a:endParaRPr>
-            </a:p>
-          </p:txBody>
-        </p:sp>
-        <p:sp>
-          <p:nvSpPr>
-            <p:cNvPr id="8" name="TextBox 7">
-              <a:extLst>
-                <a:ext uri="{FF2B5EF4-FFF2-40B4-BE49-F238E27FC236}">
-                  <a16:creationId xmlns:a16="http://schemas.microsoft.com/office/drawing/2014/main" id="{7946D95A-D116-1741-8FA0-D23710671AC9}"/>
-                </a:ext>
-              </a:extLst>
-            </p:cNvPr>
-            <p:cNvSpPr txBox="1"/>
-            <p:nvPr/>
-          </p:nvSpPr>
-          <p:spPr>
-            <a:xfrm>
-              <a:off x="7641771" y="1427655"/>
-              <a:ext cx="1917565" cy="1636560"/>
-            </a:xfrm>
-            <a:prstGeom prst="rect">
-              <a:avLst/>
-            </a:prstGeom>
-            <a:noFill/>
-          </p:spPr>
-          <p:txBody>
-            <a:bodyPr wrap="none" rtlCol="0" anchor="ctr">
-              <a:noAutofit/>
-            </a:bodyPr>
-            <a:lstStyle/>
-            <a:p>
-              <a:pPr algn="ctr"/>
-              <a:r>
-                <a:rPr lang="de-DE" sz="11500" b="1" dirty="0">
-                  <a:latin typeface="Arial" panose="020B0604020202020204" pitchFamily="34" charset="0"/>
-                  <a:cs typeface="Arial" panose="020B0604020202020204" pitchFamily="34" charset="0"/>
-                </a:rPr>
-                <a:t>AI</a:t>
-              </a:r>
-            </a:p>
-          </p:txBody>
-        </p:sp>
-      </p:grpSp>
+              </a:rPr>
+              <a:t>H(AI)</a:t>
+            </a:r>
+            <a:endParaRPr lang="de-DE" sz="9600" b="1" dirty="0">
+              <a:solidFill>
+                <a:schemeClr val="bg1"/>
+              </a:solidFill>
+              <a:latin typeface="Arial" panose="020B0604020202020204" pitchFamily="34" charset="0"/>
+              <a:ea typeface="Cambria Math" panose="02040503050406030204" pitchFamily="18" charset="0"/>
+              <a:cs typeface="Arial" panose="020B0604020202020204" pitchFamily="34" charset="0"/>
+            </a:endParaRPr>
+          </a:p>
+        </p:txBody>
+      </p:sp>
     </p:spTree>
     <p:extLst>
       <p:ext uri="{BB962C8B-B14F-4D97-AF65-F5344CB8AC3E}">
-        <p14:creationId xmlns:p14="http://schemas.microsoft.com/office/powerpoint/2010/main" val="24896390"/>
+        <p14:creationId xmlns:p14="http://schemas.microsoft.com/office/powerpoint/2010/main" val="312044397"/>
       </p:ext>
     </p:extLst>
   </p:cSld>
